--- a/relevant_files/Framework_advanced_analytics.pptx
+++ b/relevant_files/Framework_advanced_analytics.pptx
@@ -5,18 +5,26 @@
     <p:sldMasterId id="2147483648" r:id="rId4"/>
   </p:sldMasterIdLst>
   <p:notesMasterIdLst>
-    <p:notesMasterId r:id="rId14"/>
+    <p:notesMasterId r:id="rId22"/>
   </p:notesMasterIdLst>
   <p:sldIdLst>
     <p:sldId id="589" r:id="rId5"/>
     <p:sldId id="714" r:id="rId6"/>
-    <p:sldId id="715" r:id="rId7"/>
-    <p:sldId id="724" r:id="rId8"/>
-    <p:sldId id="716" r:id="rId9"/>
-    <p:sldId id="725" r:id="rId10"/>
-    <p:sldId id="719" r:id="rId11"/>
-    <p:sldId id="720" r:id="rId12"/>
-    <p:sldId id="721" r:id="rId13"/>
+    <p:sldId id="733" r:id="rId7"/>
+    <p:sldId id="732" r:id="rId8"/>
+    <p:sldId id="715" r:id="rId9"/>
+    <p:sldId id="724" r:id="rId10"/>
+    <p:sldId id="716" r:id="rId11"/>
+    <p:sldId id="725" r:id="rId12"/>
+    <p:sldId id="719" r:id="rId13"/>
+    <p:sldId id="720" r:id="rId14"/>
+    <p:sldId id="721" r:id="rId15"/>
+    <p:sldId id="726" r:id="rId16"/>
+    <p:sldId id="727" r:id="rId17"/>
+    <p:sldId id="728" r:id="rId18"/>
+    <p:sldId id="729" r:id="rId19"/>
+    <p:sldId id="730" r:id="rId20"/>
+    <p:sldId id="731" r:id="rId21"/>
   </p:sldIdLst>
   <p:sldSz cx="12192000" cy="6858000"/>
   <p:notesSz cx="6858000" cy="9144000"/>
@@ -1806,7 +1814,7 @@
             </a:lvl1pPr>
           </a:lstStyle>
           <a:p>
-            <a:endParaRPr lang="pt-BR"/>
+            <a:endParaRPr lang="pt-BR" dirty="0"/>
           </a:p>
         </p:txBody>
       </p:sp>
@@ -1840,9 +1848,9 @@
             <a:fld id="{8F2DCD3B-F53E-4969-B7F8-657CD8948E9F}" type="datetimeFigureOut">
               <a:rPr lang="pt-BR" smtClean="0"/>
               <a:pPr/>
-              <a:t>29/01/2021</a:t>
+              <a:t>10/02/2021</a:t>
             </a:fld>
-            <a:endParaRPr lang="pt-BR"/>
+            <a:endParaRPr lang="pt-BR" dirty="0"/>
           </a:p>
         </p:txBody>
       </p:sp>
@@ -1875,7 +1883,7 @@
           <a:bodyPr vert="horz" lIns="91440" tIns="45720" rIns="91440" bIns="45720" rtlCol="0" anchor="ctr"/>
           <a:lstStyle/>
           <a:p>
-            <a:endParaRPr lang="pt-BR"/>
+            <a:endParaRPr lang="pt-BR" dirty="0"/>
           </a:p>
         </p:txBody>
       </p:sp>
@@ -1965,7 +1973,7 @@
             </a:lvl1pPr>
           </a:lstStyle>
           <a:p>
-            <a:endParaRPr lang="pt-BR"/>
+            <a:endParaRPr lang="pt-BR" dirty="0"/>
           </a:p>
         </p:txBody>
       </p:sp>
@@ -2001,7 +2009,7 @@
               <a:pPr/>
               <a:t>‹nº›</a:t>
             </a:fld>
-            <a:endParaRPr lang="pt-BR"/>
+            <a:endParaRPr lang="pt-BR" dirty="0"/>
           </a:p>
         </p:txBody>
       </p:sp>
@@ -2152,7 +2160,7 @@
           <a:bodyPr/>
           <a:lstStyle/>
           <a:p>
-            <a:endParaRPr lang="pt-BR"/>
+            <a:endParaRPr lang="pt-BR" dirty="0"/>
           </a:p>
         </p:txBody>
       </p:sp>
@@ -2176,7 +2184,7 @@
               <a:pPr/>
               <a:t>1</a:t>
             </a:fld>
-            <a:endParaRPr lang="pt-BR"/>
+            <a:endParaRPr lang="pt-BR" dirty="0"/>
           </a:p>
         </p:txBody>
       </p:sp>
@@ -2184,6 +2192,838 @@
     <p:extLst>
       <p:ext uri="{BB962C8B-B14F-4D97-AF65-F5344CB8AC3E}">
         <p14:creationId xmlns:p14="http://schemas.microsoft.com/office/powerpoint/2010/main" val="1540346137"/>
+      </p:ext>
+    </p:extLst>
+  </p:cSld>
+  <p:clrMapOvr>
+    <a:masterClrMapping/>
+  </p:clrMapOvr>
+</p:notes>
+</file>
+
+<file path=ppt/notesSlides/notesSlide10.xml><?xml version="1.0" encoding="utf-8"?>
+<p:notes xmlns:a="http://schemas.openxmlformats.org/drawingml/2006/main" xmlns:r="http://schemas.openxmlformats.org/officeDocument/2006/relationships" xmlns:p="http://schemas.openxmlformats.org/presentationml/2006/main">
+  <p:cSld>
+    <p:spTree>
+      <p:nvGrpSpPr>
+        <p:cNvPr id="1" name=""/>
+        <p:cNvGrpSpPr/>
+        <p:nvPr/>
+      </p:nvGrpSpPr>
+      <p:grpSpPr>
+        <a:xfrm>
+          <a:off x="0" y="0"/>
+          <a:ext cx="0" cy="0"/>
+          <a:chOff x="0" y="0"/>
+          <a:chExt cx="0" cy="0"/>
+        </a:xfrm>
+      </p:grpSpPr>
+      <p:sp>
+        <p:nvSpPr>
+          <p:cNvPr id="2" name="Espaço Reservado para Imagem de Slide 1"/>
+          <p:cNvSpPr>
+            <a:spLocks noGrp="1" noRot="1" noChangeAspect="1"/>
+          </p:cNvSpPr>
+          <p:nvPr>
+            <p:ph type="sldImg"/>
+          </p:nvPr>
+        </p:nvSpPr>
+        <p:spPr/>
+      </p:sp>
+      <p:sp>
+        <p:nvSpPr>
+          <p:cNvPr id="3" name="Espaço Reservado para Anotações 2"/>
+          <p:cNvSpPr>
+            <a:spLocks noGrp="1"/>
+          </p:cNvSpPr>
+          <p:nvPr>
+            <p:ph type="body" idx="1"/>
+          </p:nvPr>
+        </p:nvSpPr>
+        <p:spPr/>
+        <p:txBody>
+          <a:bodyPr>
+            <a:normAutofit/>
+          </a:bodyPr>
+          <a:lstStyle/>
+          <a:p>
+            <a:pPr marL="0" marR="0" indent="0" algn="l" defTabSz="914400" rtl="0" eaLnBrk="1" fontAlgn="base" latinLnBrk="0" hangingPunct="1">
+              <a:lnSpc>
+                <a:spcPct val="100000"/>
+              </a:lnSpc>
+              <a:spcBef>
+                <a:spcPts val="0"/>
+              </a:spcBef>
+              <a:spcAft>
+                <a:spcPts val="0"/>
+              </a:spcAft>
+              <a:buClrTx/>
+              <a:buSzTx/>
+              <a:buFontTx/>
+              <a:buNone/>
+              <a:tabLst/>
+              <a:defRPr/>
+            </a:pPr>
+            <a:endParaRPr lang="pt-BR" dirty="0"/>
+          </a:p>
+        </p:txBody>
+      </p:sp>
+      <p:sp>
+        <p:nvSpPr>
+          <p:cNvPr id="4" name="Espaço Reservado para Número de Slide 3"/>
+          <p:cNvSpPr>
+            <a:spLocks noGrp="1"/>
+          </p:cNvSpPr>
+          <p:nvPr>
+            <p:ph type="sldNum" sz="quarter" idx="10"/>
+          </p:nvPr>
+        </p:nvSpPr>
+        <p:spPr/>
+        <p:txBody>
+          <a:bodyPr/>
+          <a:lstStyle/>
+          <a:p>
+            <a:fld id="{04B478D1-7130-42A0-80B3-BDFFECA3E5D3}" type="slidenum">
+              <a:rPr lang="pt-BR" smtClean="0"/>
+              <a:pPr/>
+              <a:t>10</a:t>
+            </a:fld>
+            <a:endParaRPr lang="pt-BR" dirty="0"/>
+          </a:p>
+        </p:txBody>
+      </p:sp>
+    </p:spTree>
+    <p:extLst>
+      <p:ext uri="{BB962C8B-B14F-4D97-AF65-F5344CB8AC3E}">
+        <p14:creationId xmlns:p14="http://schemas.microsoft.com/office/powerpoint/2010/main" val="814105259"/>
+      </p:ext>
+    </p:extLst>
+  </p:cSld>
+  <p:clrMapOvr>
+    <a:masterClrMapping/>
+  </p:clrMapOvr>
+</p:notes>
+</file>
+
+<file path=ppt/notesSlides/notesSlide11.xml><?xml version="1.0" encoding="utf-8"?>
+<p:notes xmlns:a="http://schemas.openxmlformats.org/drawingml/2006/main" xmlns:r="http://schemas.openxmlformats.org/officeDocument/2006/relationships" xmlns:p="http://schemas.openxmlformats.org/presentationml/2006/main">
+  <p:cSld>
+    <p:spTree>
+      <p:nvGrpSpPr>
+        <p:cNvPr id="1" name=""/>
+        <p:cNvGrpSpPr/>
+        <p:nvPr/>
+      </p:nvGrpSpPr>
+      <p:grpSpPr>
+        <a:xfrm>
+          <a:off x="0" y="0"/>
+          <a:ext cx="0" cy="0"/>
+          <a:chOff x="0" y="0"/>
+          <a:chExt cx="0" cy="0"/>
+        </a:xfrm>
+      </p:grpSpPr>
+      <p:sp>
+        <p:nvSpPr>
+          <p:cNvPr id="2" name="Espaço Reservado para Imagem de Slide 1"/>
+          <p:cNvSpPr>
+            <a:spLocks noGrp="1" noRot="1" noChangeAspect="1"/>
+          </p:cNvSpPr>
+          <p:nvPr>
+            <p:ph type="sldImg"/>
+          </p:nvPr>
+        </p:nvSpPr>
+        <p:spPr/>
+      </p:sp>
+      <p:sp>
+        <p:nvSpPr>
+          <p:cNvPr id="3" name="Espaço Reservado para Anotações 2"/>
+          <p:cNvSpPr>
+            <a:spLocks noGrp="1"/>
+          </p:cNvSpPr>
+          <p:nvPr>
+            <p:ph type="body" idx="1"/>
+          </p:nvPr>
+        </p:nvSpPr>
+        <p:spPr/>
+        <p:txBody>
+          <a:bodyPr>
+            <a:normAutofit/>
+          </a:bodyPr>
+          <a:lstStyle/>
+          <a:p>
+            <a:pPr marL="0" marR="0" indent="0" algn="l" defTabSz="914400" rtl="0" eaLnBrk="1" fontAlgn="base" latinLnBrk="0" hangingPunct="1">
+              <a:lnSpc>
+                <a:spcPct val="100000"/>
+              </a:lnSpc>
+              <a:spcBef>
+                <a:spcPts val="0"/>
+              </a:spcBef>
+              <a:spcAft>
+                <a:spcPts val="0"/>
+              </a:spcAft>
+              <a:buClrTx/>
+              <a:buSzTx/>
+              <a:buFontTx/>
+              <a:buNone/>
+              <a:tabLst/>
+              <a:defRPr/>
+            </a:pPr>
+            <a:endParaRPr lang="pt-BR" dirty="0"/>
+          </a:p>
+        </p:txBody>
+      </p:sp>
+      <p:sp>
+        <p:nvSpPr>
+          <p:cNvPr id="4" name="Espaço Reservado para Número de Slide 3"/>
+          <p:cNvSpPr>
+            <a:spLocks noGrp="1"/>
+          </p:cNvSpPr>
+          <p:nvPr>
+            <p:ph type="sldNum" sz="quarter" idx="10"/>
+          </p:nvPr>
+        </p:nvSpPr>
+        <p:spPr/>
+        <p:txBody>
+          <a:bodyPr/>
+          <a:lstStyle/>
+          <a:p>
+            <a:fld id="{04B478D1-7130-42A0-80B3-BDFFECA3E5D3}" type="slidenum">
+              <a:rPr lang="pt-BR" smtClean="0"/>
+              <a:pPr/>
+              <a:t>11</a:t>
+            </a:fld>
+            <a:endParaRPr lang="pt-BR" dirty="0"/>
+          </a:p>
+        </p:txBody>
+      </p:sp>
+    </p:spTree>
+    <p:extLst>
+      <p:ext uri="{BB962C8B-B14F-4D97-AF65-F5344CB8AC3E}">
+        <p14:creationId xmlns:p14="http://schemas.microsoft.com/office/powerpoint/2010/main" val="2475049212"/>
+      </p:ext>
+    </p:extLst>
+  </p:cSld>
+  <p:clrMapOvr>
+    <a:masterClrMapping/>
+  </p:clrMapOvr>
+</p:notes>
+</file>
+
+<file path=ppt/notesSlides/notesSlide12.xml><?xml version="1.0" encoding="utf-8"?>
+<p:notes xmlns:a="http://schemas.openxmlformats.org/drawingml/2006/main" xmlns:r="http://schemas.openxmlformats.org/officeDocument/2006/relationships" xmlns:p="http://schemas.openxmlformats.org/presentationml/2006/main">
+  <p:cSld>
+    <p:spTree>
+      <p:nvGrpSpPr>
+        <p:cNvPr id="1" name=""/>
+        <p:cNvGrpSpPr/>
+        <p:nvPr/>
+      </p:nvGrpSpPr>
+      <p:grpSpPr>
+        <a:xfrm>
+          <a:off x="0" y="0"/>
+          <a:ext cx="0" cy="0"/>
+          <a:chOff x="0" y="0"/>
+          <a:chExt cx="0" cy="0"/>
+        </a:xfrm>
+      </p:grpSpPr>
+      <p:sp>
+        <p:nvSpPr>
+          <p:cNvPr id="2" name="Espaço Reservado para Imagem de Slide 1"/>
+          <p:cNvSpPr>
+            <a:spLocks noGrp="1" noRot="1" noChangeAspect="1"/>
+          </p:cNvSpPr>
+          <p:nvPr>
+            <p:ph type="sldImg"/>
+          </p:nvPr>
+        </p:nvSpPr>
+        <p:spPr/>
+      </p:sp>
+      <p:sp>
+        <p:nvSpPr>
+          <p:cNvPr id="3" name="Espaço Reservado para Anotações 2"/>
+          <p:cNvSpPr>
+            <a:spLocks noGrp="1"/>
+          </p:cNvSpPr>
+          <p:nvPr>
+            <p:ph type="body" idx="1"/>
+          </p:nvPr>
+        </p:nvSpPr>
+        <p:spPr/>
+        <p:txBody>
+          <a:bodyPr>
+            <a:normAutofit/>
+          </a:bodyPr>
+          <a:lstStyle/>
+          <a:p>
+            <a:pPr marL="0" marR="0" indent="0" algn="l" defTabSz="914400" rtl="0" eaLnBrk="1" fontAlgn="base" latinLnBrk="0" hangingPunct="1">
+              <a:lnSpc>
+                <a:spcPct val="100000"/>
+              </a:lnSpc>
+              <a:spcBef>
+                <a:spcPts val="0"/>
+              </a:spcBef>
+              <a:spcAft>
+                <a:spcPts val="0"/>
+              </a:spcAft>
+              <a:buClrTx/>
+              <a:buSzTx/>
+              <a:buFontTx/>
+              <a:buNone/>
+              <a:tabLst/>
+              <a:defRPr/>
+            </a:pPr>
+            <a:endParaRPr lang="pt-BR" dirty="0"/>
+          </a:p>
+        </p:txBody>
+      </p:sp>
+      <p:sp>
+        <p:nvSpPr>
+          <p:cNvPr id="4" name="Espaço Reservado para Número de Slide 3"/>
+          <p:cNvSpPr>
+            <a:spLocks noGrp="1"/>
+          </p:cNvSpPr>
+          <p:nvPr>
+            <p:ph type="sldNum" sz="quarter" idx="10"/>
+          </p:nvPr>
+        </p:nvSpPr>
+        <p:spPr/>
+        <p:txBody>
+          <a:bodyPr/>
+          <a:lstStyle/>
+          <a:p>
+            <a:fld id="{04B478D1-7130-42A0-80B3-BDFFECA3E5D3}" type="slidenum">
+              <a:rPr lang="pt-BR" smtClean="0"/>
+              <a:pPr/>
+              <a:t>12</a:t>
+            </a:fld>
+            <a:endParaRPr lang="pt-BR" dirty="0"/>
+          </a:p>
+        </p:txBody>
+      </p:sp>
+    </p:spTree>
+    <p:extLst>
+      <p:ext uri="{BB962C8B-B14F-4D97-AF65-F5344CB8AC3E}">
+        <p14:creationId xmlns:p14="http://schemas.microsoft.com/office/powerpoint/2010/main" val="534332835"/>
+      </p:ext>
+    </p:extLst>
+  </p:cSld>
+  <p:clrMapOvr>
+    <a:masterClrMapping/>
+  </p:clrMapOvr>
+</p:notes>
+</file>
+
+<file path=ppt/notesSlides/notesSlide13.xml><?xml version="1.0" encoding="utf-8"?>
+<p:notes xmlns:a="http://schemas.openxmlformats.org/drawingml/2006/main" xmlns:r="http://schemas.openxmlformats.org/officeDocument/2006/relationships" xmlns:p="http://schemas.openxmlformats.org/presentationml/2006/main">
+  <p:cSld>
+    <p:spTree>
+      <p:nvGrpSpPr>
+        <p:cNvPr id="1" name=""/>
+        <p:cNvGrpSpPr/>
+        <p:nvPr/>
+      </p:nvGrpSpPr>
+      <p:grpSpPr>
+        <a:xfrm>
+          <a:off x="0" y="0"/>
+          <a:ext cx="0" cy="0"/>
+          <a:chOff x="0" y="0"/>
+          <a:chExt cx="0" cy="0"/>
+        </a:xfrm>
+      </p:grpSpPr>
+      <p:sp>
+        <p:nvSpPr>
+          <p:cNvPr id="2" name="Espaço Reservado para Imagem de Slide 1"/>
+          <p:cNvSpPr>
+            <a:spLocks noGrp="1" noRot="1" noChangeAspect="1"/>
+          </p:cNvSpPr>
+          <p:nvPr>
+            <p:ph type="sldImg"/>
+          </p:nvPr>
+        </p:nvSpPr>
+        <p:spPr/>
+      </p:sp>
+      <p:sp>
+        <p:nvSpPr>
+          <p:cNvPr id="3" name="Espaço Reservado para Anotações 2"/>
+          <p:cNvSpPr>
+            <a:spLocks noGrp="1"/>
+          </p:cNvSpPr>
+          <p:nvPr>
+            <p:ph type="body" idx="1"/>
+          </p:nvPr>
+        </p:nvSpPr>
+        <p:spPr/>
+        <p:txBody>
+          <a:bodyPr>
+            <a:normAutofit/>
+          </a:bodyPr>
+          <a:lstStyle/>
+          <a:p>
+            <a:pPr marL="0" marR="0" indent="0" algn="l" defTabSz="914400" rtl="0" eaLnBrk="1" fontAlgn="base" latinLnBrk="0" hangingPunct="1">
+              <a:lnSpc>
+                <a:spcPct val="100000"/>
+              </a:lnSpc>
+              <a:spcBef>
+                <a:spcPts val="0"/>
+              </a:spcBef>
+              <a:spcAft>
+                <a:spcPts val="0"/>
+              </a:spcAft>
+              <a:buClrTx/>
+              <a:buSzTx/>
+              <a:buFontTx/>
+              <a:buNone/>
+              <a:tabLst/>
+              <a:defRPr/>
+            </a:pPr>
+            <a:endParaRPr lang="pt-BR" dirty="0"/>
+          </a:p>
+        </p:txBody>
+      </p:sp>
+      <p:sp>
+        <p:nvSpPr>
+          <p:cNvPr id="4" name="Espaço Reservado para Número de Slide 3"/>
+          <p:cNvSpPr>
+            <a:spLocks noGrp="1"/>
+          </p:cNvSpPr>
+          <p:nvPr>
+            <p:ph type="sldNum" sz="quarter" idx="10"/>
+          </p:nvPr>
+        </p:nvSpPr>
+        <p:spPr/>
+        <p:txBody>
+          <a:bodyPr/>
+          <a:lstStyle/>
+          <a:p>
+            <a:fld id="{04B478D1-7130-42A0-80B3-BDFFECA3E5D3}" type="slidenum">
+              <a:rPr lang="pt-BR" smtClean="0"/>
+              <a:pPr/>
+              <a:t>13</a:t>
+            </a:fld>
+            <a:endParaRPr lang="pt-BR" dirty="0"/>
+          </a:p>
+        </p:txBody>
+      </p:sp>
+    </p:spTree>
+    <p:extLst>
+      <p:ext uri="{BB962C8B-B14F-4D97-AF65-F5344CB8AC3E}">
+        <p14:creationId xmlns:p14="http://schemas.microsoft.com/office/powerpoint/2010/main" val="3596582029"/>
+      </p:ext>
+    </p:extLst>
+  </p:cSld>
+  <p:clrMapOvr>
+    <a:masterClrMapping/>
+  </p:clrMapOvr>
+</p:notes>
+</file>
+
+<file path=ppt/notesSlides/notesSlide14.xml><?xml version="1.0" encoding="utf-8"?>
+<p:notes xmlns:a="http://schemas.openxmlformats.org/drawingml/2006/main" xmlns:r="http://schemas.openxmlformats.org/officeDocument/2006/relationships" xmlns:p="http://schemas.openxmlformats.org/presentationml/2006/main">
+  <p:cSld>
+    <p:spTree>
+      <p:nvGrpSpPr>
+        <p:cNvPr id="1" name=""/>
+        <p:cNvGrpSpPr/>
+        <p:nvPr/>
+      </p:nvGrpSpPr>
+      <p:grpSpPr>
+        <a:xfrm>
+          <a:off x="0" y="0"/>
+          <a:ext cx="0" cy="0"/>
+          <a:chOff x="0" y="0"/>
+          <a:chExt cx="0" cy="0"/>
+        </a:xfrm>
+      </p:grpSpPr>
+      <p:sp>
+        <p:nvSpPr>
+          <p:cNvPr id="2" name="Espaço Reservado para Imagem de Slide 1"/>
+          <p:cNvSpPr>
+            <a:spLocks noGrp="1" noRot="1" noChangeAspect="1"/>
+          </p:cNvSpPr>
+          <p:nvPr>
+            <p:ph type="sldImg"/>
+          </p:nvPr>
+        </p:nvSpPr>
+        <p:spPr/>
+      </p:sp>
+      <p:sp>
+        <p:nvSpPr>
+          <p:cNvPr id="3" name="Espaço Reservado para Anotações 2"/>
+          <p:cNvSpPr>
+            <a:spLocks noGrp="1"/>
+          </p:cNvSpPr>
+          <p:nvPr>
+            <p:ph type="body" idx="1"/>
+          </p:nvPr>
+        </p:nvSpPr>
+        <p:spPr/>
+        <p:txBody>
+          <a:bodyPr>
+            <a:normAutofit/>
+          </a:bodyPr>
+          <a:lstStyle/>
+          <a:p>
+            <a:pPr marL="0" marR="0" indent="0" algn="l" defTabSz="914400" rtl="0" eaLnBrk="1" fontAlgn="base" latinLnBrk="0" hangingPunct="1">
+              <a:lnSpc>
+                <a:spcPct val="100000"/>
+              </a:lnSpc>
+              <a:spcBef>
+                <a:spcPts val="0"/>
+              </a:spcBef>
+              <a:spcAft>
+                <a:spcPts val="0"/>
+              </a:spcAft>
+              <a:buClrTx/>
+              <a:buSzTx/>
+              <a:buFontTx/>
+              <a:buNone/>
+              <a:tabLst/>
+              <a:defRPr/>
+            </a:pPr>
+            <a:endParaRPr lang="pt-BR" dirty="0"/>
+          </a:p>
+        </p:txBody>
+      </p:sp>
+      <p:sp>
+        <p:nvSpPr>
+          <p:cNvPr id="4" name="Espaço Reservado para Número de Slide 3"/>
+          <p:cNvSpPr>
+            <a:spLocks noGrp="1"/>
+          </p:cNvSpPr>
+          <p:nvPr>
+            <p:ph type="sldNum" sz="quarter" idx="10"/>
+          </p:nvPr>
+        </p:nvSpPr>
+        <p:spPr/>
+        <p:txBody>
+          <a:bodyPr/>
+          <a:lstStyle/>
+          <a:p>
+            <a:fld id="{04B478D1-7130-42A0-80B3-BDFFECA3E5D3}" type="slidenum">
+              <a:rPr lang="pt-BR" smtClean="0"/>
+              <a:pPr/>
+              <a:t>14</a:t>
+            </a:fld>
+            <a:endParaRPr lang="pt-BR" dirty="0"/>
+          </a:p>
+        </p:txBody>
+      </p:sp>
+    </p:spTree>
+    <p:extLst>
+      <p:ext uri="{BB962C8B-B14F-4D97-AF65-F5344CB8AC3E}">
+        <p14:creationId xmlns:p14="http://schemas.microsoft.com/office/powerpoint/2010/main" val="1046059711"/>
+      </p:ext>
+    </p:extLst>
+  </p:cSld>
+  <p:clrMapOvr>
+    <a:masterClrMapping/>
+  </p:clrMapOvr>
+</p:notes>
+</file>
+
+<file path=ppt/notesSlides/notesSlide15.xml><?xml version="1.0" encoding="utf-8"?>
+<p:notes xmlns:a="http://schemas.openxmlformats.org/drawingml/2006/main" xmlns:r="http://schemas.openxmlformats.org/officeDocument/2006/relationships" xmlns:p="http://schemas.openxmlformats.org/presentationml/2006/main">
+  <p:cSld>
+    <p:spTree>
+      <p:nvGrpSpPr>
+        <p:cNvPr id="1" name=""/>
+        <p:cNvGrpSpPr/>
+        <p:nvPr/>
+      </p:nvGrpSpPr>
+      <p:grpSpPr>
+        <a:xfrm>
+          <a:off x="0" y="0"/>
+          <a:ext cx="0" cy="0"/>
+          <a:chOff x="0" y="0"/>
+          <a:chExt cx="0" cy="0"/>
+        </a:xfrm>
+      </p:grpSpPr>
+      <p:sp>
+        <p:nvSpPr>
+          <p:cNvPr id="2" name="Espaço Reservado para Imagem de Slide 1"/>
+          <p:cNvSpPr>
+            <a:spLocks noGrp="1" noRot="1" noChangeAspect="1"/>
+          </p:cNvSpPr>
+          <p:nvPr>
+            <p:ph type="sldImg"/>
+          </p:nvPr>
+        </p:nvSpPr>
+        <p:spPr/>
+      </p:sp>
+      <p:sp>
+        <p:nvSpPr>
+          <p:cNvPr id="3" name="Espaço Reservado para Anotações 2"/>
+          <p:cNvSpPr>
+            <a:spLocks noGrp="1"/>
+          </p:cNvSpPr>
+          <p:nvPr>
+            <p:ph type="body" idx="1"/>
+          </p:nvPr>
+        </p:nvSpPr>
+        <p:spPr/>
+        <p:txBody>
+          <a:bodyPr>
+            <a:normAutofit/>
+          </a:bodyPr>
+          <a:lstStyle/>
+          <a:p>
+            <a:pPr marL="0" marR="0" indent="0" algn="l" defTabSz="914400" rtl="0" eaLnBrk="1" fontAlgn="base" latinLnBrk="0" hangingPunct="1">
+              <a:lnSpc>
+                <a:spcPct val="100000"/>
+              </a:lnSpc>
+              <a:spcBef>
+                <a:spcPts val="0"/>
+              </a:spcBef>
+              <a:spcAft>
+                <a:spcPts val="0"/>
+              </a:spcAft>
+              <a:buClrTx/>
+              <a:buSzTx/>
+              <a:buFontTx/>
+              <a:buNone/>
+              <a:tabLst/>
+              <a:defRPr/>
+            </a:pPr>
+            <a:endParaRPr lang="pt-BR" dirty="0"/>
+          </a:p>
+        </p:txBody>
+      </p:sp>
+      <p:sp>
+        <p:nvSpPr>
+          <p:cNvPr id="4" name="Espaço Reservado para Número de Slide 3"/>
+          <p:cNvSpPr>
+            <a:spLocks noGrp="1"/>
+          </p:cNvSpPr>
+          <p:nvPr>
+            <p:ph type="sldNum" sz="quarter" idx="10"/>
+          </p:nvPr>
+        </p:nvSpPr>
+        <p:spPr/>
+        <p:txBody>
+          <a:bodyPr/>
+          <a:lstStyle/>
+          <a:p>
+            <a:fld id="{04B478D1-7130-42A0-80B3-BDFFECA3E5D3}" type="slidenum">
+              <a:rPr lang="pt-BR" smtClean="0"/>
+              <a:pPr/>
+              <a:t>15</a:t>
+            </a:fld>
+            <a:endParaRPr lang="pt-BR" dirty="0"/>
+          </a:p>
+        </p:txBody>
+      </p:sp>
+    </p:spTree>
+    <p:extLst>
+      <p:ext uri="{BB962C8B-B14F-4D97-AF65-F5344CB8AC3E}">
+        <p14:creationId xmlns:p14="http://schemas.microsoft.com/office/powerpoint/2010/main" val="3469327168"/>
+      </p:ext>
+    </p:extLst>
+  </p:cSld>
+  <p:clrMapOvr>
+    <a:masterClrMapping/>
+  </p:clrMapOvr>
+</p:notes>
+</file>
+
+<file path=ppt/notesSlides/notesSlide16.xml><?xml version="1.0" encoding="utf-8"?>
+<p:notes xmlns:a="http://schemas.openxmlformats.org/drawingml/2006/main" xmlns:r="http://schemas.openxmlformats.org/officeDocument/2006/relationships" xmlns:p="http://schemas.openxmlformats.org/presentationml/2006/main">
+  <p:cSld>
+    <p:spTree>
+      <p:nvGrpSpPr>
+        <p:cNvPr id="1" name=""/>
+        <p:cNvGrpSpPr/>
+        <p:nvPr/>
+      </p:nvGrpSpPr>
+      <p:grpSpPr>
+        <a:xfrm>
+          <a:off x="0" y="0"/>
+          <a:ext cx="0" cy="0"/>
+          <a:chOff x="0" y="0"/>
+          <a:chExt cx="0" cy="0"/>
+        </a:xfrm>
+      </p:grpSpPr>
+      <p:sp>
+        <p:nvSpPr>
+          <p:cNvPr id="2" name="Espaço Reservado para Imagem de Slide 1"/>
+          <p:cNvSpPr>
+            <a:spLocks noGrp="1" noRot="1" noChangeAspect="1"/>
+          </p:cNvSpPr>
+          <p:nvPr>
+            <p:ph type="sldImg"/>
+          </p:nvPr>
+        </p:nvSpPr>
+        <p:spPr/>
+      </p:sp>
+      <p:sp>
+        <p:nvSpPr>
+          <p:cNvPr id="3" name="Espaço Reservado para Anotações 2"/>
+          <p:cNvSpPr>
+            <a:spLocks noGrp="1"/>
+          </p:cNvSpPr>
+          <p:nvPr>
+            <p:ph type="body" idx="1"/>
+          </p:nvPr>
+        </p:nvSpPr>
+        <p:spPr/>
+        <p:txBody>
+          <a:bodyPr>
+            <a:normAutofit/>
+          </a:bodyPr>
+          <a:lstStyle/>
+          <a:p>
+            <a:pPr marL="0" marR="0" indent="0" algn="l" defTabSz="914400" rtl="0" eaLnBrk="1" fontAlgn="base" latinLnBrk="0" hangingPunct="1">
+              <a:lnSpc>
+                <a:spcPct val="100000"/>
+              </a:lnSpc>
+              <a:spcBef>
+                <a:spcPts val="0"/>
+              </a:spcBef>
+              <a:spcAft>
+                <a:spcPts val="0"/>
+              </a:spcAft>
+              <a:buClrTx/>
+              <a:buSzTx/>
+              <a:buFontTx/>
+              <a:buNone/>
+              <a:tabLst/>
+              <a:defRPr/>
+            </a:pPr>
+            <a:endParaRPr lang="pt-BR" dirty="0"/>
+          </a:p>
+        </p:txBody>
+      </p:sp>
+      <p:sp>
+        <p:nvSpPr>
+          <p:cNvPr id="4" name="Espaço Reservado para Número de Slide 3"/>
+          <p:cNvSpPr>
+            <a:spLocks noGrp="1"/>
+          </p:cNvSpPr>
+          <p:nvPr>
+            <p:ph type="sldNum" sz="quarter" idx="10"/>
+          </p:nvPr>
+        </p:nvSpPr>
+        <p:spPr/>
+        <p:txBody>
+          <a:bodyPr/>
+          <a:lstStyle/>
+          <a:p>
+            <a:fld id="{04B478D1-7130-42A0-80B3-BDFFECA3E5D3}" type="slidenum">
+              <a:rPr lang="pt-BR" smtClean="0"/>
+              <a:pPr/>
+              <a:t>16</a:t>
+            </a:fld>
+            <a:endParaRPr lang="pt-BR" dirty="0"/>
+          </a:p>
+        </p:txBody>
+      </p:sp>
+    </p:spTree>
+    <p:extLst>
+      <p:ext uri="{BB962C8B-B14F-4D97-AF65-F5344CB8AC3E}">
+        <p14:creationId xmlns:p14="http://schemas.microsoft.com/office/powerpoint/2010/main" val="2980369658"/>
+      </p:ext>
+    </p:extLst>
+  </p:cSld>
+  <p:clrMapOvr>
+    <a:masterClrMapping/>
+  </p:clrMapOvr>
+</p:notes>
+</file>
+
+<file path=ppt/notesSlides/notesSlide17.xml><?xml version="1.0" encoding="utf-8"?>
+<p:notes xmlns:a="http://schemas.openxmlformats.org/drawingml/2006/main" xmlns:r="http://schemas.openxmlformats.org/officeDocument/2006/relationships" xmlns:p="http://schemas.openxmlformats.org/presentationml/2006/main">
+  <p:cSld>
+    <p:spTree>
+      <p:nvGrpSpPr>
+        <p:cNvPr id="1" name=""/>
+        <p:cNvGrpSpPr/>
+        <p:nvPr/>
+      </p:nvGrpSpPr>
+      <p:grpSpPr>
+        <a:xfrm>
+          <a:off x="0" y="0"/>
+          <a:ext cx="0" cy="0"/>
+          <a:chOff x="0" y="0"/>
+          <a:chExt cx="0" cy="0"/>
+        </a:xfrm>
+      </p:grpSpPr>
+      <p:sp>
+        <p:nvSpPr>
+          <p:cNvPr id="2" name="Espaço Reservado para Imagem de Slide 1"/>
+          <p:cNvSpPr>
+            <a:spLocks noGrp="1" noRot="1" noChangeAspect="1"/>
+          </p:cNvSpPr>
+          <p:nvPr>
+            <p:ph type="sldImg"/>
+          </p:nvPr>
+        </p:nvSpPr>
+        <p:spPr/>
+      </p:sp>
+      <p:sp>
+        <p:nvSpPr>
+          <p:cNvPr id="3" name="Espaço Reservado para Anotações 2"/>
+          <p:cNvSpPr>
+            <a:spLocks noGrp="1"/>
+          </p:cNvSpPr>
+          <p:nvPr>
+            <p:ph type="body" idx="1"/>
+          </p:nvPr>
+        </p:nvSpPr>
+        <p:spPr/>
+        <p:txBody>
+          <a:bodyPr>
+            <a:normAutofit/>
+          </a:bodyPr>
+          <a:lstStyle/>
+          <a:p>
+            <a:pPr marL="0" marR="0" indent="0" algn="l" defTabSz="914400" rtl="0" eaLnBrk="1" fontAlgn="base" latinLnBrk="0" hangingPunct="1">
+              <a:lnSpc>
+                <a:spcPct val="100000"/>
+              </a:lnSpc>
+              <a:spcBef>
+                <a:spcPts val="0"/>
+              </a:spcBef>
+              <a:spcAft>
+                <a:spcPts val="0"/>
+              </a:spcAft>
+              <a:buClrTx/>
+              <a:buSzTx/>
+              <a:buFontTx/>
+              <a:buNone/>
+              <a:tabLst/>
+              <a:defRPr/>
+            </a:pPr>
+            <a:endParaRPr lang="pt-BR" dirty="0"/>
+          </a:p>
+        </p:txBody>
+      </p:sp>
+      <p:sp>
+        <p:nvSpPr>
+          <p:cNvPr id="4" name="Espaço Reservado para Número de Slide 3"/>
+          <p:cNvSpPr>
+            <a:spLocks noGrp="1"/>
+          </p:cNvSpPr>
+          <p:nvPr>
+            <p:ph type="sldNum" sz="quarter" idx="10"/>
+          </p:nvPr>
+        </p:nvSpPr>
+        <p:spPr/>
+        <p:txBody>
+          <a:bodyPr/>
+          <a:lstStyle/>
+          <a:p>
+            <a:fld id="{04B478D1-7130-42A0-80B3-BDFFECA3E5D3}" type="slidenum">
+              <a:rPr lang="pt-BR" smtClean="0"/>
+              <a:pPr/>
+              <a:t>17</a:t>
+            </a:fld>
+            <a:endParaRPr lang="pt-BR" dirty="0"/>
+          </a:p>
+        </p:txBody>
+      </p:sp>
+    </p:spTree>
+    <p:extLst>
+      <p:ext uri="{BB962C8B-B14F-4D97-AF65-F5344CB8AC3E}">
+        <p14:creationId xmlns:p14="http://schemas.microsoft.com/office/powerpoint/2010/main" val="1494673153"/>
       </p:ext>
     </p:extLst>
   </p:cSld>
@@ -2256,7 +3096,7 @@
               <a:tabLst/>
               <a:defRPr/>
             </a:pPr>
-            <a:endParaRPr lang="pt-BR"/>
+            <a:endParaRPr lang="pt-BR" dirty="0"/>
           </a:p>
         </p:txBody>
       </p:sp>
@@ -2280,7 +3120,7 @@
               <a:pPr/>
               <a:t>2</a:t>
             </a:fld>
-            <a:endParaRPr lang="pt-BR"/>
+            <a:endParaRPr lang="pt-BR" dirty="0"/>
           </a:p>
         </p:txBody>
       </p:sp>
@@ -2360,7 +3200,7 @@
               <a:tabLst/>
               <a:defRPr/>
             </a:pPr>
-            <a:endParaRPr lang="pt-BR"/>
+            <a:endParaRPr lang="pt-BR" dirty="0"/>
           </a:p>
         </p:txBody>
       </p:sp>
@@ -2384,14 +3224,14 @@
               <a:pPr/>
               <a:t>3</a:t>
             </a:fld>
-            <a:endParaRPr lang="pt-BR"/>
+            <a:endParaRPr lang="pt-BR" dirty="0"/>
           </a:p>
         </p:txBody>
       </p:sp>
     </p:spTree>
     <p:extLst>
       <p:ext uri="{BB962C8B-B14F-4D97-AF65-F5344CB8AC3E}">
-        <p14:creationId xmlns:p14="http://schemas.microsoft.com/office/powerpoint/2010/main" val="2125447542"/>
+        <p14:creationId xmlns:p14="http://schemas.microsoft.com/office/powerpoint/2010/main" val="621206082"/>
       </p:ext>
     </p:extLst>
   </p:cSld>
@@ -2464,7 +3304,7 @@
               <a:tabLst/>
               <a:defRPr/>
             </a:pPr>
-            <a:endParaRPr lang="pt-BR"/>
+            <a:endParaRPr lang="pt-BR" dirty="0"/>
           </a:p>
         </p:txBody>
       </p:sp>
@@ -2488,14 +3328,14 @@
               <a:pPr/>
               <a:t>4</a:t>
             </a:fld>
-            <a:endParaRPr lang="pt-BR"/>
+            <a:endParaRPr lang="pt-BR" dirty="0"/>
           </a:p>
         </p:txBody>
       </p:sp>
     </p:spTree>
     <p:extLst>
       <p:ext uri="{BB962C8B-B14F-4D97-AF65-F5344CB8AC3E}">
-        <p14:creationId xmlns:p14="http://schemas.microsoft.com/office/powerpoint/2010/main" val="3787828554"/>
+        <p14:creationId xmlns:p14="http://schemas.microsoft.com/office/powerpoint/2010/main" val="2580864914"/>
       </p:ext>
     </p:extLst>
   </p:cSld>
@@ -2568,7 +3408,7 @@
               <a:tabLst/>
               <a:defRPr/>
             </a:pPr>
-            <a:endParaRPr lang="pt-BR"/>
+            <a:endParaRPr lang="pt-BR" dirty="0"/>
           </a:p>
         </p:txBody>
       </p:sp>
@@ -2592,14 +3432,14 @@
               <a:pPr/>
               <a:t>5</a:t>
             </a:fld>
-            <a:endParaRPr lang="pt-BR"/>
+            <a:endParaRPr lang="pt-BR" dirty="0"/>
           </a:p>
         </p:txBody>
       </p:sp>
     </p:spTree>
     <p:extLst>
       <p:ext uri="{BB962C8B-B14F-4D97-AF65-F5344CB8AC3E}">
-        <p14:creationId xmlns:p14="http://schemas.microsoft.com/office/powerpoint/2010/main" val="2071682251"/>
+        <p14:creationId xmlns:p14="http://schemas.microsoft.com/office/powerpoint/2010/main" val="2125447542"/>
       </p:ext>
     </p:extLst>
   </p:cSld>
@@ -2672,7 +3512,7 @@
               <a:tabLst/>
               <a:defRPr/>
             </a:pPr>
-            <a:endParaRPr lang="pt-BR"/>
+            <a:endParaRPr lang="pt-BR" dirty="0"/>
           </a:p>
         </p:txBody>
       </p:sp>
@@ -2696,14 +3536,14 @@
               <a:pPr/>
               <a:t>6</a:t>
             </a:fld>
-            <a:endParaRPr lang="pt-BR"/>
+            <a:endParaRPr lang="pt-BR" dirty="0"/>
           </a:p>
         </p:txBody>
       </p:sp>
     </p:spTree>
     <p:extLst>
       <p:ext uri="{BB962C8B-B14F-4D97-AF65-F5344CB8AC3E}">
-        <p14:creationId xmlns:p14="http://schemas.microsoft.com/office/powerpoint/2010/main" val="1356783590"/>
+        <p14:creationId xmlns:p14="http://schemas.microsoft.com/office/powerpoint/2010/main" val="3787828554"/>
       </p:ext>
     </p:extLst>
   </p:cSld>
@@ -2776,7 +3616,7 @@
               <a:tabLst/>
               <a:defRPr/>
             </a:pPr>
-            <a:endParaRPr lang="pt-BR"/>
+            <a:endParaRPr lang="pt-BR" dirty="0"/>
           </a:p>
         </p:txBody>
       </p:sp>
@@ -2800,14 +3640,14 @@
               <a:pPr/>
               <a:t>7</a:t>
             </a:fld>
-            <a:endParaRPr lang="pt-BR"/>
+            <a:endParaRPr lang="pt-BR" dirty="0"/>
           </a:p>
         </p:txBody>
       </p:sp>
     </p:spTree>
     <p:extLst>
       <p:ext uri="{BB962C8B-B14F-4D97-AF65-F5344CB8AC3E}">
-        <p14:creationId xmlns:p14="http://schemas.microsoft.com/office/powerpoint/2010/main" val="986532002"/>
+        <p14:creationId xmlns:p14="http://schemas.microsoft.com/office/powerpoint/2010/main" val="2071682251"/>
       </p:ext>
     </p:extLst>
   </p:cSld>
@@ -2880,7 +3720,7 @@
               <a:tabLst/>
               <a:defRPr/>
             </a:pPr>
-            <a:endParaRPr lang="pt-BR"/>
+            <a:endParaRPr lang="pt-BR" dirty="0"/>
           </a:p>
         </p:txBody>
       </p:sp>
@@ -2904,14 +3744,14 @@
               <a:pPr/>
               <a:t>8</a:t>
             </a:fld>
-            <a:endParaRPr lang="pt-BR"/>
+            <a:endParaRPr lang="pt-BR" dirty="0"/>
           </a:p>
         </p:txBody>
       </p:sp>
     </p:spTree>
     <p:extLst>
       <p:ext uri="{BB962C8B-B14F-4D97-AF65-F5344CB8AC3E}">
-        <p14:creationId xmlns:p14="http://schemas.microsoft.com/office/powerpoint/2010/main" val="814105259"/>
+        <p14:creationId xmlns:p14="http://schemas.microsoft.com/office/powerpoint/2010/main" val="1356783590"/>
       </p:ext>
     </p:extLst>
   </p:cSld>
@@ -2984,7 +3824,7 @@
               <a:tabLst/>
               <a:defRPr/>
             </a:pPr>
-            <a:endParaRPr lang="pt-BR"/>
+            <a:endParaRPr lang="pt-BR" dirty="0"/>
           </a:p>
         </p:txBody>
       </p:sp>
@@ -3008,14 +3848,14 @@
               <a:pPr/>
               <a:t>9</a:t>
             </a:fld>
-            <a:endParaRPr lang="pt-BR"/>
+            <a:endParaRPr lang="pt-BR" dirty="0"/>
           </a:p>
         </p:txBody>
       </p:sp>
     </p:spTree>
     <p:extLst>
       <p:ext uri="{BB962C8B-B14F-4D97-AF65-F5344CB8AC3E}">
-        <p14:creationId xmlns:p14="http://schemas.microsoft.com/office/powerpoint/2010/main" val="2475049212"/>
+        <p14:creationId xmlns:p14="http://schemas.microsoft.com/office/powerpoint/2010/main" val="986532002"/>
       </p:ext>
     </p:extLst>
   </p:cSld>
@@ -3155,9 +3995,9 @@
             <a:fld id="{3841A698-03A5-4D69-BCBF-904E6C7B1C9E}" type="datetimeFigureOut">
               <a:rPr lang="pt-BR" smtClean="0"/>
               <a:pPr/>
-              <a:t>29/01/2021</a:t>
+              <a:t>10/02/2021</a:t>
             </a:fld>
-            <a:endParaRPr lang="pt-BR"/>
+            <a:endParaRPr lang="pt-BR" dirty="0"/>
           </a:p>
         </p:txBody>
       </p:sp>
@@ -3176,7 +4016,7 @@
           <a:bodyPr/>
           <a:lstStyle/>
           <a:p>
-            <a:endParaRPr lang="pt-BR"/>
+            <a:endParaRPr lang="pt-BR" dirty="0"/>
           </a:p>
         </p:txBody>
       </p:sp>
@@ -3200,7 +4040,7 @@
               <a:pPr/>
               <a:t>‹nº›</a:t>
             </a:fld>
-            <a:endParaRPr lang="pt-BR"/>
+            <a:endParaRPr lang="pt-BR" dirty="0"/>
           </a:p>
         </p:txBody>
       </p:sp>
@@ -3325,9 +4165,9 @@
             <a:fld id="{3841A698-03A5-4D69-BCBF-904E6C7B1C9E}" type="datetimeFigureOut">
               <a:rPr lang="pt-BR" smtClean="0"/>
               <a:pPr/>
-              <a:t>29/01/2021</a:t>
+              <a:t>10/02/2021</a:t>
             </a:fld>
-            <a:endParaRPr lang="pt-BR"/>
+            <a:endParaRPr lang="pt-BR" dirty="0"/>
           </a:p>
         </p:txBody>
       </p:sp>
@@ -3346,7 +4186,7 @@
           <a:bodyPr/>
           <a:lstStyle/>
           <a:p>
-            <a:endParaRPr lang="pt-BR"/>
+            <a:endParaRPr lang="pt-BR" dirty="0"/>
           </a:p>
         </p:txBody>
       </p:sp>
@@ -3370,7 +4210,7 @@
               <a:pPr/>
               <a:t>‹nº›</a:t>
             </a:fld>
-            <a:endParaRPr lang="pt-BR"/>
+            <a:endParaRPr lang="pt-BR" dirty="0"/>
           </a:p>
         </p:txBody>
       </p:sp>
@@ -3505,9 +4345,9 @@
             <a:fld id="{3841A698-03A5-4D69-BCBF-904E6C7B1C9E}" type="datetimeFigureOut">
               <a:rPr lang="pt-BR" smtClean="0"/>
               <a:pPr/>
-              <a:t>29/01/2021</a:t>
+              <a:t>10/02/2021</a:t>
             </a:fld>
-            <a:endParaRPr lang="pt-BR"/>
+            <a:endParaRPr lang="pt-BR" dirty="0"/>
           </a:p>
         </p:txBody>
       </p:sp>
@@ -3526,7 +4366,7 @@
           <a:bodyPr/>
           <a:lstStyle/>
           <a:p>
-            <a:endParaRPr lang="pt-BR"/>
+            <a:endParaRPr lang="pt-BR" dirty="0"/>
           </a:p>
         </p:txBody>
       </p:sp>
@@ -3550,7 +4390,7 @@
               <a:pPr/>
               <a:t>‹nº›</a:t>
             </a:fld>
-            <a:endParaRPr lang="pt-BR"/>
+            <a:endParaRPr lang="pt-BR" dirty="0"/>
           </a:p>
         </p:txBody>
       </p:sp>
@@ -3685,9 +4525,9 @@
             <a:fld id="{D88EA591-619C-4AFB-B7DE-8DFD0F6EC8DF}" type="datetimeFigureOut">
               <a:rPr lang="pt-BR" smtClean="0"/>
               <a:pPr/>
-              <a:t>29/01/2021</a:t>
+              <a:t>10/02/2021</a:t>
             </a:fld>
-            <a:endParaRPr lang="pt-BR"/>
+            <a:endParaRPr lang="pt-BR" dirty="0"/>
           </a:p>
         </p:txBody>
       </p:sp>
@@ -3706,7 +4546,7 @@
           <a:bodyPr/>
           <a:lstStyle/>
           <a:p>
-            <a:endParaRPr lang="pt-BR"/>
+            <a:endParaRPr lang="pt-BR" dirty="0"/>
           </a:p>
         </p:txBody>
       </p:sp>
@@ -3730,7 +4570,7 @@
               <a:pPr/>
               <a:t>‹nº›</a:t>
             </a:fld>
-            <a:endParaRPr lang="pt-BR"/>
+            <a:endParaRPr lang="pt-BR" dirty="0"/>
           </a:p>
         </p:txBody>
       </p:sp>
@@ -3903,9 +4743,9 @@
             <a:fld id="{3841A698-03A5-4D69-BCBF-904E6C7B1C9E}" type="datetimeFigureOut">
               <a:rPr lang="pt-BR" smtClean="0"/>
               <a:pPr/>
-              <a:t>29/01/2021</a:t>
+              <a:t>10/02/2021</a:t>
             </a:fld>
-            <a:endParaRPr lang="pt-BR"/>
+            <a:endParaRPr lang="pt-BR" dirty="0"/>
           </a:p>
         </p:txBody>
       </p:sp>
@@ -3924,7 +4764,7 @@
           <a:bodyPr/>
           <a:lstStyle/>
           <a:p>
-            <a:endParaRPr lang="pt-BR"/>
+            <a:endParaRPr lang="pt-BR" dirty="0"/>
           </a:p>
         </p:txBody>
       </p:sp>
@@ -3948,7 +4788,7 @@
               <a:pPr/>
               <a:t>‹nº›</a:t>
             </a:fld>
-            <a:endParaRPr lang="pt-BR"/>
+            <a:endParaRPr lang="pt-BR" dirty="0"/>
           </a:p>
         </p:txBody>
       </p:sp>
@@ -4150,9 +4990,9 @@
             <a:fld id="{3841A698-03A5-4D69-BCBF-904E6C7B1C9E}" type="datetimeFigureOut">
               <a:rPr lang="pt-BR" smtClean="0"/>
               <a:pPr/>
-              <a:t>29/01/2021</a:t>
+              <a:t>10/02/2021</a:t>
             </a:fld>
-            <a:endParaRPr lang="pt-BR"/>
+            <a:endParaRPr lang="pt-BR" dirty="0"/>
           </a:p>
         </p:txBody>
       </p:sp>
@@ -4171,7 +5011,7 @@
           <a:bodyPr/>
           <a:lstStyle/>
           <a:p>
-            <a:endParaRPr lang="pt-BR"/>
+            <a:endParaRPr lang="pt-BR" dirty="0"/>
           </a:p>
         </p:txBody>
       </p:sp>
@@ -4195,7 +5035,7 @@
               <a:pPr/>
               <a:t>‹nº›</a:t>
             </a:fld>
-            <a:endParaRPr lang="pt-BR"/>
+            <a:endParaRPr lang="pt-BR" dirty="0"/>
           </a:p>
         </p:txBody>
       </p:sp>
@@ -4381,9 +5221,9 @@
             <a:fld id="{3841A698-03A5-4D69-BCBF-904E6C7B1C9E}" type="datetimeFigureOut">
               <a:rPr lang="pt-BR" smtClean="0"/>
               <a:pPr/>
-              <a:t>29/01/2021</a:t>
+              <a:t>10/02/2021</a:t>
             </a:fld>
-            <a:endParaRPr lang="pt-BR"/>
+            <a:endParaRPr lang="pt-BR" dirty="0"/>
           </a:p>
         </p:txBody>
       </p:sp>
@@ -4402,7 +5242,7 @@
           <a:bodyPr/>
           <a:lstStyle/>
           <a:p>
-            <a:endParaRPr lang="pt-BR"/>
+            <a:endParaRPr lang="pt-BR" dirty="0"/>
           </a:p>
         </p:txBody>
       </p:sp>
@@ -4426,7 +5266,7 @@
               <a:pPr/>
               <a:t>‹nº›</a:t>
             </a:fld>
-            <a:endParaRPr lang="pt-BR"/>
+            <a:endParaRPr lang="pt-BR" dirty="0"/>
           </a:p>
         </p:txBody>
       </p:sp>
@@ -4747,9 +5587,9 @@
             <a:fld id="{3841A698-03A5-4D69-BCBF-904E6C7B1C9E}" type="datetimeFigureOut">
               <a:rPr lang="pt-BR" smtClean="0"/>
               <a:pPr/>
-              <a:t>29/01/2021</a:t>
+              <a:t>10/02/2021</a:t>
             </a:fld>
-            <a:endParaRPr lang="pt-BR"/>
+            <a:endParaRPr lang="pt-BR" dirty="0"/>
           </a:p>
         </p:txBody>
       </p:sp>
@@ -4768,7 +5608,7 @@
           <a:bodyPr/>
           <a:lstStyle/>
           <a:p>
-            <a:endParaRPr lang="pt-BR"/>
+            <a:endParaRPr lang="pt-BR" dirty="0"/>
           </a:p>
         </p:txBody>
       </p:sp>
@@ -4792,7 +5632,7 @@
               <a:pPr/>
               <a:t>‹nº›</a:t>
             </a:fld>
-            <a:endParaRPr lang="pt-BR"/>
+            <a:endParaRPr lang="pt-BR" dirty="0"/>
           </a:p>
         </p:txBody>
       </p:sp>
@@ -4866,9 +5706,9 @@
             <a:fld id="{3841A698-03A5-4D69-BCBF-904E6C7B1C9E}" type="datetimeFigureOut">
               <a:rPr lang="pt-BR" smtClean="0"/>
               <a:pPr/>
-              <a:t>29/01/2021</a:t>
+              <a:t>10/02/2021</a:t>
             </a:fld>
-            <a:endParaRPr lang="pt-BR"/>
+            <a:endParaRPr lang="pt-BR" dirty="0"/>
           </a:p>
         </p:txBody>
       </p:sp>
@@ -4887,7 +5727,7 @@
           <a:bodyPr/>
           <a:lstStyle/>
           <a:p>
-            <a:endParaRPr lang="pt-BR"/>
+            <a:endParaRPr lang="pt-BR" dirty="0"/>
           </a:p>
         </p:txBody>
       </p:sp>
@@ -4911,7 +5751,7 @@
               <a:pPr/>
               <a:t>‹nº›</a:t>
             </a:fld>
-            <a:endParaRPr lang="pt-BR"/>
+            <a:endParaRPr lang="pt-BR" dirty="0"/>
           </a:p>
         </p:txBody>
       </p:sp>
@@ -4963,9 +5803,9 @@
             <a:fld id="{3841A698-03A5-4D69-BCBF-904E6C7B1C9E}" type="datetimeFigureOut">
               <a:rPr lang="pt-BR" smtClean="0"/>
               <a:pPr/>
-              <a:t>29/01/2021</a:t>
+              <a:t>10/02/2021</a:t>
             </a:fld>
-            <a:endParaRPr lang="pt-BR"/>
+            <a:endParaRPr lang="pt-BR" dirty="0"/>
           </a:p>
         </p:txBody>
       </p:sp>
@@ -4984,7 +5824,7 @@
           <a:bodyPr/>
           <a:lstStyle/>
           <a:p>
-            <a:endParaRPr lang="pt-BR"/>
+            <a:endParaRPr lang="pt-BR" dirty="0"/>
           </a:p>
         </p:txBody>
       </p:sp>
@@ -5008,7 +5848,7 @@
               <a:pPr/>
               <a:t>‹nº›</a:t>
             </a:fld>
-            <a:endParaRPr lang="pt-BR"/>
+            <a:endParaRPr lang="pt-BR" dirty="0"/>
           </a:p>
         </p:txBody>
       </p:sp>
@@ -5240,9 +6080,9 @@
             <a:fld id="{3841A698-03A5-4D69-BCBF-904E6C7B1C9E}" type="datetimeFigureOut">
               <a:rPr lang="pt-BR" smtClean="0"/>
               <a:pPr/>
-              <a:t>29/01/2021</a:t>
+              <a:t>10/02/2021</a:t>
             </a:fld>
-            <a:endParaRPr lang="pt-BR"/>
+            <a:endParaRPr lang="pt-BR" dirty="0"/>
           </a:p>
         </p:txBody>
       </p:sp>
@@ -5261,7 +6101,7 @@
           <a:bodyPr/>
           <a:lstStyle/>
           <a:p>
-            <a:endParaRPr lang="pt-BR"/>
+            <a:endParaRPr lang="pt-BR" dirty="0"/>
           </a:p>
         </p:txBody>
       </p:sp>
@@ -5285,7 +6125,7 @@
               <a:pPr/>
               <a:t>‹nº›</a:t>
             </a:fld>
-            <a:endParaRPr lang="pt-BR"/>
+            <a:endParaRPr lang="pt-BR" dirty="0"/>
           </a:p>
         </p:txBody>
       </p:sp>
@@ -5407,7 +6247,7 @@
             </a:lvl9pPr>
           </a:lstStyle>
           <a:p>
-            <a:endParaRPr lang="pt-BR"/>
+            <a:endParaRPr lang="pt-BR" dirty="0"/>
           </a:p>
         </p:txBody>
       </p:sp>
@@ -5494,9 +6334,9 @@
             <a:fld id="{3841A698-03A5-4D69-BCBF-904E6C7B1C9E}" type="datetimeFigureOut">
               <a:rPr lang="pt-BR" smtClean="0"/>
               <a:pPr/>
-              <a:t>29/01/2021</a:t>
+              <a:t>10/02/2021</a:t>
             </a:fld>
-            <a:endParaRPr lang="pt-BR"/>
+            <a:endParaRPr lang="pt-BR" dirty="0"/>
           </a:p>
         </p:txBody>
       </p:sp>
@@ -5515,7 +6355,7 @@
           <a:bodyPr/>
           <a:lstStyle/>
           <a:p>
-            <a:endParaRPr lang="pt-BR"/>
+            <a:endParaRPr lang="pt-BR" dirty="0"/>
           </a:p>
         </p:txBody>
       </p:sp>
@@ -5539,7 +6379,7 @@
               <a:pPr/>
               <a:t>‹nº›</a:t>
             </a:fld>
-            <a:endParaRPr lang="pt-BR"/>
+            <a:endParaRPr lang="pt-BR" dirty="0"/>
           </a:p>
         </p:txBody>
       </p:sp>
@@ -5707,9 +6547,9 @@
             <a:fld id="{3841A698-03A5-4D69-BCBF-904E6C7B1C9E}" type="datetimeFigureOut">
               <a:rPr lang="pt-BR" smtClean="0"/>
               <a:pPr/>
-              <a:t>29/01/2021</a:t>
+              <a:t>10/02/2021</a:t>
             </a:fld>
-            <a:endParaRPr lang="pt-BR"/>
+            <a:endParaRPr lang="pt-BR" dirty="0"/>
           </a:p>
         </p:txBody>
       </p:sp>
@@ -5746,7 +6586,7 @@
             </a:lvl1pPr>
           </a:lstStyle>
           <a:p>
-            <a:endParaRPr lang="pt-BR"/>
+            <a:endParaRPr lang="pt-BR" dirty="0"/>
           </a:p>
         </p:txBody>
       </p:sp>
@@ -5788,7 +6628,7 @@
               <a:pPr/>
               <a:t>‹nº›</a:t>
             </a:fld>
-            <a:endParaRPr lang="pt-BR"/>
+            <a:endParaRPr lang="pt-BR" dirty="0"/>
           </a:p>
         </p:txBody>
       </p:sp>
@@ -6166,7 +7006,7 @@
           <a:graphicData uri="http://schemas.openxmlformats.org/presentationml/2006/ole">
             <mc:AlternateContent xmlns:mc="http://schemas.openxmlformats.org/markup-compatibility/2006">
               <mc:Choice xmlns:v="urn:schemas-microsoft-com:vml" Requires="v">
-                <p:oleObj spid="_x0000_s15380" name="Slide do think-cell" r:id="rId7" imgW="360" imgH="360" progId="">
+                <p:oleObj spid="_x0000_s15386" name="Slide do think-cell" r:id="rId7" imgW="360" imgH="360" progId="">
                   <p:embed/>
                 </p:oleObj>
               </mc:Choice>
@@ -6262,7 +7102,7 @@
                 <a:spcPct val="0"/>
               </a:spcAft>
             </a:pPr>
-            <a:endParaRPr lang="pt-BR" sz="1400">
+            <a:endParaRPr lang="pt-BR" sz="1400" dirty="0">
               <a:solidFill>
                 <a:srgbClr val="000000"/>
               </a:solidFill>
@@ -6281,8 +7121,8 @@
         </p:nvSpPr>
         <p:spPr bwMode="auto">
           <a:xfrm>
-            <a:off x="0" y="2044517"/>
-            <a:ext cx="6823057" cy="1446542"/>
+            <a:off x="0" y="1351512"/>
+            <a:ext cx="6823057" cy="4154976"/>
           </a:xfrm>
           <a:prstGeom prst="rect">
             <a:avLst/>
@@ -6318,19 +7158,36 @@
                 <a:ea typeface="ヒラギノ角ゴ ProN W3"/>
                 <a:cs typeface="Arial" charset="0"/>
               </a:rPr>
-              <a:t>Framework </a:t>
-            </a:r>
-            <a:r>
-              <a:rPr lang="pt-BR" sz="4400" b="1" dirty="0" err="1">
-                <a:solidFill>
-                  <a:srgbClr val="FFFFFF"/>
-                </a:solidFill>
-                <a:latin typeface="+mj-lt"/>
-                <a:ea typeface="ヒラギノ角ゴ ProN W3"/>
-                <a:cs typeface="Arial" charset="0"/>
-              </a:rPr>
-              <a:t>Advanced</a:t>
-            </a:r>
+              <a:t>Framework Advanced Analytics – Python – Alteryx</a:t>
+            </a:r>
+          </a:p>
+          <a:p>
+            <a:pPr algn="ctr" fontAlgn="base">
+              <a:spcBef>
+                <a:spcPct val="0"/>
+              </a:spcBef>
+              <a:spcAft>
+                <a:spcPct val="0"/>
+              </a:spcAft>
+            </a:pPr>
+            <a:endParaRPr lang="pt-BR" sz="4400" b="1" dirty="0">
+              <a:solidFill>
+                <a:srgbClr val="FFFFFF"/>
+              </a:solidFill>
+              <a:latin typeface="+mj-lt"/>
+              <a:ea typeface="ヒラギノ角ゴ ProN W3"/>
+              <a:cs typeface="Arial" charset="0"/>
+            </a:endParaRPr>
+          </a:p>
+          <a:p>
+            <a:pPr algn="ctr" fontAlgn="base">
+              <a:spcBef>
+                <a:spcPct val="0"/>
+              </a:spcBef>
+              <a:spcAft>
+                <a:spcPct val="0"/>
+              </a:spcAft>
+            </a:pPr>
             <a:r>
               <a:rPr lang="pt-BR" sz="4400" b="1" dirty="0">
                 <a:solidFill>
@@ -6340,41 +7197,18 @@
                 <a:ea typeface="ヒラギノ角ゴ ProN W3"/>
                 <a:cs typeface="Arial" charset="0"/>
               </a:rPr>
-              <a:t> </a:t>
-            </a:r>
-            <a:r>
-              <a:rPr lang="pt-BR" sz="4400" b="1" dirty="0" err="1">
-                <a:solidFill>
-                  <a:srgbClr val="FFFFFF"/>
-                </a:solidFill>
-                <a:latin typeface="+mj-lt"/>
-                <a:ea typeface="ヒラギノ角ゴ ProN W3"/>
-                <a:cs typeface="Arial" charset="0"/>
-              </a:rPr>
-              <a:t>Analytics</a:t>
-            </a:r>
-            <a:r>
-              <a:rPr lang="pt-BR" sz="4400" b="1" dirty="0">
-                <a:solidFill>
-                  <a:srgbClr val="FFFFFF"/>
-                </a:solidFill>
-                <a:latin typeface="+mj-lt"/>
-                <a:ea typeface="ヒラギノ角ゴ ProN W3"/>
-                <a:cs typeface="Arial" charset="0"/>
-              </a:rPr>
-              <a:t> – Python - </a:t>
-            </a:r>
-            <a:r>
-              <a:rPr lang="pt-BR" sz="4400" b="1" dirty="0" err="1">
-                <a:solidFill>
-                  <a:srgbClr val="FFFFFF"/>
-                </a:solidFill>
-                <a:latin typeface="+mj-lt"/>
-                <a:ea typeface="ヒラギノ角ゴ ProN W3"/>
-                <a:cs typeface="Arial" charset="0"/>
-              </a:rPr>
-              <a:t>Alteryx</a:t>
-            </a:r>
+              <a:t>BRADA</a:t>
+            </a:r>
+          </a:p>
+          <a:p>
+            <a:pPr algn="ctr" fontAlgn="base">
+              <a:spcBef>
+                <a:spcPct val="0"/>
+              </a:spcBef>
+              <a:spcAft>
+                <a:spcPct val="0"/>
+              </a:spcAft>
+            </a:pPr>
             <a:endParaRPr lang="pt-BR" sz="4400" b="1" dirty="0">
               <a:solidFill>
                 <a:srgbClr val="FFFFFF"/>
@@ -6383,6 +7217,27 @@
               <a:ea typeface="ヒラギノ角ゴ ProN W3"/>
               <a:cs typeface="Arial" charset="0"/>
             </a:endParaRPr>
+          </a:p>
+          <a:p>
+            <a:pPr algn="ctr" fontAlgn="base">
+              <a:spcBef>
+                <a:spcPct val="0"/>
+              </a:spcBef>
+              <a:spcAft>
+                <a:spcPct val="0"/>
+              </a:spcAft>
+            </a:pPr>
+            <a:r>
+              <a:rPr lang="pt-BR" sz="4000" b="1" dirty="0">
+                <a:solidFill>
+                  <a:srgbClr val="FFFFFF"/>
+                </a:solidFill>
+                <a:latin typeface="+mj-lt"/>
+                <a:ea typeface="ヒラギノ角ゴ ProN W3"/>
+                <a:cs typeface="Arial" charset="0"/>
+              </a:rPr>
+              <a:t>DTD – SCD - DESENV</a:t>
+            </a:r>
           </a:p>
         </p:txBody>
       </p:sp>
@@ -6447,7 +7302,7 @@
                   <a:schemeClr val="bg1"/>
                 </a:solidFill>
               </a:rPr>
-              <a:t>01/2021</a:t>
+              <a:t>02/2021</a:t>
             </a:r>
           </a:p>
         </p:txBody>
@@ -6641,10 +7496,40 @@
             <a:pPr marL="0" indent="0">
               <a:buNone/>
             </a:pPr>
-            <a:endParaRPr lang="pt-BR"/>
-          </a:p>
-        </p:txBody>
-      </p:sp>
+            <a:endParaRPr lang="pt-BR" dirty="0"/>
+          </a:p>
+        </p:txBody>
+      </p:sp>
+      <p:pic>
+        <p:nvPicPr>
+          <p:cNvPr id="2" name="Imagem 1">
+            <a:extLst>
+              <a:ext uri="{FF2B5EF4-FFF2-40B4-BE49-F238E27FC236}">
+                <a16:creationId xmlns:a16="http://schemas.microsoft.com/office/drawing/2014/main" id="{83733CF1-05FB-4BBE-A510-986FB8341E21}"/>
+              </a:ext>
+            </a:extLst>
+          </p:cNvPr>
+          <p:cNvPicPr>
+            <a:picLocks noChangeAspect="1"/>
+          </p:cNvPicPr>
+          <p:nvPr/>
+        </p:nvPicPr>
+        <p:blipFill>
+          <a:blip r:embed="rId10"/>
+          <a:stretch>
+            <a:fillRect/>
+          </a:stretch>
+        </p:blipFill>
+        <p:spPr>
+          <a:xfrm>
+            <a:off x="8552399" y="1316483"/>
+            <a:ext cx="3209925" cy="1504950"/>
+          </a:xfrm>
+          <a:prstGeom prst="rect">
+            <a:avLst/>
+          </a:prstGeom>
+        </p:spPr>
+      </p:pic>
     </p:spTree>
     <p:extLst>
       <p:ext uri="{BB962C8B-B14F-4D97-AF65-F5344CB8AC3E}">
@@ -6802,6 +7687,1199 @@
 </p:sld>
 </file>
 
+<file path=ppt/slides/slide10.xml><?xml version="1.0" encoding="utf-8"?>
+<p:sld xmlns:a="http://schemas.openxmlformats.org/drawingml/2006/main" xmlns:r="http://schemas.openxmlformats.org/officeDocument/2006/relationships" xmlns:p="http://schemas.openxmlformats.org/presentationml/2006/main">
+  <p:cSld>
+    <p:spTree>
+      <p:nvGrpSpPr>
+        <p:cNvPr id="1" name=""/>
+        <p:cNvGrpSpPr/>
+        <p:nvPr/>
+      </p:nvGrpSpPr>
+      <p:grpSpPr>
+        <a:xfrm>
+          <a:off x="0" y="0"/>
+          <a:ext cx="0" cy="0"/>
+          <a:chOff x="0" y="0"/>
+          <a:chExt cx="0" cy="0"/>
+        </a:xfrm>
+      </p:grpSpPr>
+      <p:sp>
+        <p:nvSpPr>
+          <p:cNvPr id="4" name="Título 1"/>
+          <p:cNvSpPr>
+            <a:spLocks noGrp="1"/>
+          </p:cNvSpPr>
+          <p:nvPr>
+            <p:ph type="title"/>
+          </p:nvPr>
+        </p:nvSpPr>
+        <p:spPr>
+          <a:xfrm>
+            <a:off x="103229" y="116632"/>
+            <a:ext cx="9916683" cy="432048"/>
+          </a:xfrm>
+        </p:spPr>
+        <p:txBody>
+          <a:bodyPr>
+            <a:noAutofit/>
+          </a:bodyPr>
+          <a:lstStyle/>
+          <a:p>
+            <a:r>
+              <a:rPr lang="pt-BR" sz="3200" b="1" i="1" dirty="0">
+                <a:solidFill>
+                  <a:srgbClr val="002060"/>
+                </a:solidFill>
+              </a:rPr>
+              <a:t>Alteryx – macros criadas até o momento</a:t>
+            </a:r>
+          </a:p>
+        </p:txBody>
+      </p:sp>
+      <p:pic>
+        <p:nvPicPr>
+          <p:cNvPr id="2" name="Imagem 1">
+            <a:extLst>
+              <a:ext uri="{FF2B5EF4-FFF2-40B4-BE49-F238E27FC236}">
+                <a16:creationId xmlns:a16="http://schemas.microsoft.com/office/drawing/2014/main" id="{72376173-471B-4369-AEEF-496CED41B4A5}"/>
+              </a:ext>
+            </a:extLst>
+          </p:cNvPr>
+          <p:cNvPicPr>
+            <a:picLocks noChangeAspect="1"/>
+          </p:cNvPicPr>
+          <p:nvPr/>
+        </p:nvPicPr>
+        <p:blipFill>
+          <a:blip r:embed="rId3"/>
+          <a:stretch>
+            <a:fillRect/>
+          </a:stretch>
+        </p:blipFill>
+        <p:spPr>
+          <a:xfrm>
+            <a:off x="1254003" y="1799884"/>
+            <a:ext cx="4443413" cy="1000905"/>
+          </a:xfrm>
+          <a:prstGeom prst="rect">
+            <a:avLst/>
+          </a:prstGeom>
+        </p:spPr>
+      </p:pic>
+      <p:pic>
+        <p:nvPicPr>
+          <p:cNvPr id="3" name="Imagem 2">
+            <a:extLst>
+              <a:ext uri="{FF2B5EF4-FFF2-40B4-BE49-F238E27FC236}">
+                <a16:creationId xmlns:a16="http://schemas.microsoft.com/office/drawing/2014/main" id="{D602974D-34F6-4D40-B5A2-E571C69B8F6E}"/>
+              </a:ext>
+            </a:extLst>
+          </p:cNvPr>
+          <p:cNvPicPr>
+            <a:picLocks noChangeAspect="1"/>
+          </p:cNvPicPr>
+          <p:nvPr/>
+        </p:nvPicPr>
+        <p:blipFill>
+          <a:blip r:embed="rId4"/>
+          <a:stretch>
+            <a:fillRect/>
+          </a:stretch>
+        </p:blipFill>
+        <p:spPr>
+          <a:xfrm>
+            <a:off x="6657139" y="1799884"/>
+            <a:ext cx="2237317" cy="1000905"/>
+          </a:xfrm>
+          <a:prstGeom prst="rect">
+            <a:avLst/>
+          </a:prstGeom>
+        </p:spPr>
+      </p:pic>
+      <p:pic>
+        <p:nvPicPr>
+          <p:cNvPr id="5" name="Imagem 4">
+            <a:extLst>
+              <a:ext uri="{FF2B5EF4-FFF2-40B4-BE49-F238E27FC236}">
+                <a16:creationId xmlns:a16="http://schemas.microsoft.com/office/drawing/2014/main" id="{DCF0B522-6207-4393-B2D6-7F60D46C0FBC}"/>
+              </a:ext>
+            </a:extLst>
+          </p:cNvPr>
+          <p:cNvPicPr>
+            <a:picLocks noChangeAspect="1"/>
+          </p:cNvPicPr>
+          <p:nvPr/>
+        </p:nvPicPr>
+        <p:blipFill>
+          <a:blip r:embed="rId5"/>
+          <a:stretch>
+            <a:fillRect/>
+          </a:stretch>
+        </p:blipFill>
+        <p:spPr>
+          <a:xfrm>
+            <a:off x="757234" y="3926090"/>
+            <a:ext cx="3326084" cy="1000905"/>
+          </a:xfrm>
+          <a:prstGeom prst="rect">
+            <a:avLst/>
+          </a:prstGeom>
+        </p:spPr>
+      </p:pic>
+      <p:pic>
+        <p:nvPicPr>
+          <p:cNvPr id="6" name="Imagem 5">
+            <a:extLst>
+              <a:ext uri="{FF2B5EF4-FFF2-40B4-BE49-F238E27FC236}">
+                <a16:creationId xmlns:a16="http://schemas.microsoft.com/office/drawing/2014/main" id="{527BD737-3FD9-4AFB-A11C-B932CE4ED77D}"/>
+              </a:ext>
+            </a:extLst>
+          </p:cNvPr>
+          <p:cNvPicPr>
+            <a:picLocks noChangeAspect="1"/>
+          </p:cNvPicPr>
+          <p:nvPr/>
+        </p:nvPicPr>
+        <p:blipFill>
+          <a:blip r:embed="rId6"/>
+          <a:stretch>
+            <a:fillRect/>
+          </a:stretch>
+        </p:blipFill>
+        <p:spPr>
+          <a:xfrm>
+            <a:off x="5686564" y="3947192"/>
+            <a:ext cx="970575" cy="1000905"/>
+          </a:xfrm>
+          <a:prstGeom prst="rect">
+            <a:avLst/>
+          </a:prstGeom>
+        </p:spPr>
+      </p:pic>
+      <p:pic>
+        <p:nvPicPr>
+          <p:cNvPr id="7" name="Imagem 6">
+            <a:extLst>
+              <a:ext uri="{FF2B5EF4-FFF2-40B4-BE49-F238E27FC236}">
+                <a16:creationId xmlns:a16="http://schemas.microsoft.com/office/drawing/2014/main" id="{ABDEB0F7-7F91-494A-A124-B14F7C569A30}"/>
+              </a:ext>
+            </a:extLst>
+          </p:cNvPr>
+          <p:cNvPicPr>
+            <a:picLocks noChangeAspect="1"/>
+          </p:cNvPicPr>
+          <p:nvPr/>
+        </p:nvPicPr>
+        <p:blipFill>
+          <a:blip r:embed="rId7"/>
+          <a:stretch>
+            <a:fillRect/>
+          </a:stretch>
+        </p:blipFill>
+        <p:spPr>
+          <a:xfrm>
+            <a:off x="8593898" y="3926089"/>
+            <a:ext cx="1057507" cy="1013444"/>
+          </a:xfrm>
+          <a:prstGeom prst="rect">
+            <a:avLst/>
+          </a:prstGeom>
+        </p:spPr>
+      </p:pic>
+      <p:pic>
+        <p:nvPicPr>
+          <p:cNvPr id="8" name="Imagem 7">
+            <a:extLst>
+              <a:ext uri="{FF2B5EF4-FFF2-40B4-BE49-F238E27FC236}">
+                <a16:creationId xmlns:a16="http://schemas.microsoft.com/office/drawing/2014/main" id="{973997EB-822F-425D-BA4B-B7E9EBF18BAE}"/>
+              </a:ext>
+            </a:extLst>
+          </p:cNvPr>
+          <p:cNvPicPr>
+            <a:picLocks noChangeAspect="1"/>
+          </p:cNvPicPr>
+          <p:nvPr/>
+        </p:nvPicPr>
+        <p:blipFill>
+          <a:blip r:embed="rId8"/>
+          <a:stretch>
+            <a:fillRect/>
+          </a:stretch>
+        </p:blipFill>
+        <p:spPr>
+          <a:xfrm>
+            <a:off x="4083318" y="5681109"/>
+            <a:ext cx="1179298" cy="1003997"/>
+          </a:xfrm>
+          <a:prstGeom prst="rect">
+            <a:avLst/>
+          </a:prstGeom>
+        </p:spPr>
+      </p:pic>
+      <p:pic>
+        <p:nvPicPr>
+          <p:cNvPr id="9" name="Imagem 8">
+            <a:extLst>
+              <a:ext uri="{FF2B5EF4-FFF2-40B4-BE49-F238E27FC236}">
+                <a16:creationId xmlns:a16="http://schemas.microsoft.com/office/drawing/2014/main" id="{74A8F18A-B7AB-42AB-BF9E-7B08F4CA83FC}"/>
+              </a:ext>
+            </a:extLst>
+          </p:cNvPr>
+          <p:cNvPicPr>
+            <a:picLocks noChangeAspect="1"/>
+          </p:cNvPicPr>
+          <p:nvPr/>
+        </p:nvPicPr>
+        <p:blipFill>
+          <a:blip r:embed="rId9"/>
+          <a:stretch>
+            <a:fillRect/>
+          </a:stretch>
+        </p:blipFill>
+        <p:spPr>
+          <a:xfrm>
+            <a:off x="8593898" y="5621833"/>
+            <a:ext cx="1198802" cy="1003997"/>
+          </a:xfrm>
+          <a:prstGeom prst="rect">
+            <a:avLst/>
+          </a:prstGeom>
+        </p:spPr>
+      </p:pic>
+      <p:sp>
+        <p:nvSpPr>
+          <p:cNvPr id="10" name="CaixaDeTexto 9">
+            <a:extLst>
+              <a:ext uri="{FF2B5EF4-FFF2-40B4-BE49-F238E27FC236}">
+                <a16:creationId xmlns:a16="http://schemas.microsoft.com/office/drawing/2014/main" id="{1199E06A-0DB4-4024-A52A-7FB980FE022E}"/>
+              </a:ext>
+            </a:extLst>
+          </p:cNvPr>
+          <p:cNvSpPr txBox="1"/>
+          <p:nvPr/>
+        </p:nvSpPr>
+        <p:spPr>
+          <a:xfrm>
+            <a:off x="1744394" y="1280160"/>
+            <a:ext cx="3460652" cy="369332"/>
+          </a:xfrm>
+          <a:prstGeom prst="rect">
+            <a:avLst/>
+          </a:prstGeom>
+          <a:noFill/>
+        </p:spPr>
+        <p:txBody>
+          <a:bodyPr wrap="square" rtlCol="0">
+            <a:spAutoFit/>
+          </a:bodyPr>
+          <a:lstStyle/>
+          <a:p>
+            <a:r>
+              <a:rPr lang="pt-BR" dirty="0"/>
+              <a:t>Macros para limpeza de dados</a:t>
+            </a:r>
+          </a:p>
+        </p:txBody>
+      </p:sp>
+      <p:sp>
+        <p:nvSpPr>
+          <p:cNvPr id="11" name="CaixaDeTexto 10">
+            <a:extLst>
+              <a:ext uri="{FF2B5EF4-FFF2-40B4-BE49-F238E27FC236}">
+                <a16:creationId xmlns:a16="http://schemas.microsoft.com/office/drawing/2014/main" id="{59001524-56D3-4A6B-86D1-9E9CF4D1DADF}"/>
+              </a:ext>
+            </a:extLst>
+          </p:cNvPr>
+          <p:cNvSpPr txBox="1"/>
+          <p:nvPr/>
+        </p:nvSpPr>
+        <p:spPr>
+          <a:xfrm>
+            <a:off x="6096000" y="1280160"/>
+            <a:ext cx="3717586" cy="369332"/>
+          </a:xfrm>
+          <a:prstGeom prst="rect">
+            <a:avLst/>
+          </a:prstGeom>
+          <a:noFill/>
+        </p:spPr>
+        <p:txBody>
+          <a:bodyPr wrap="square" rtlCol="0">
+            <a:spAutoFit/>
+          </a:bodyPr>
+          <a:lstStyle/>
+          <a:p>
+            <a:r>
+              <a:rPr lang="pt-BR" dirty="0"/>
+              <a:t>Macros para engenharia de atributos</a:t>
+            </a:r>
+          </a:p>
+        </p:txBody>
+      </p:sp>
+      <p:sp>
+        <p:nvSpPr>
+          <p:cNvPr id="12" name="CaixaDeTexto 11">
+            <a:extLst>
+              <a:ext uri="{FF2B5EF4-FFF2-40B4-BE49-F238E27FC236}">
+                <a16:creationId xmlns:a16="http://schemas.microsoft.com/office/drawing/2014/main" id="{C8FE373F-FBB4-4A00-8F6E-DCE28691EE5A}"/>
+              </a:ext>
+            </a:extLst>
+          </p:cNvPr>
+          <p:cNvSpPr txBox="1"/>
+          <p:nvPr/>
+        </p:nvSpPr>
+        <p:spPr>
+          <a:xfrm>
+            <a:off x="883465" y="3429000"/>
+            <a:ext cx="3488788" cy="369332"/>
+          </a:xfrm>
+          <a:prstGeom prst="rect">
+            <a:avLst/>
+          </a:prstGeom>
+          <a:noFill/>
+        </p:spPr>
+        <p:txBody>
+          <a:bodyPr wrap="square" rtlCol="0">
+            <a:spAutoFit/>
+          </a:bodyPr>
+          <a:lstStyle/>
+          <a:p>
+            <a:r>
+              <a:rPr lang="pt-BR" dirty="0"/>
+              <a:t>Macros para seleção de atributos</a:t>
+            </a:r>
+          </a:p>
+        </p:txBody>
+      </p:sp>
+      <p:sp>
+        <p:nvSpPr>
+          <p:cNvPr id="13" name="CaixaDeTexto 12">
+            <a:extLst>
+              <a:ext uri="{FF2B5EF4-FFF2-40B4-BE49-F238E27FC236}">
+                <a16:creationId xmlns:a16="http://schemas.microsoft.com/office/drawing/2014/main" id="{30EBB860-29EC-4968-BA76-5CDC744D5865}"/>
+              </a:ext>
+            </a:extLst>
+          </p:cNvPr>
+          <p:cNvSpPr txBox="1"/>
+          <p:nvPr/>
+        </p:nvSpPr>
+        <p:spPr>
+          <a:xfrm>
+            <a:off x="5061570" y="3411415"/>
+            <a:ext cx="2461690" cy="369332"/>
+          </a:xfrm>
+          <a:prstGeom prst="rect">
+            <a:avLst/>
+          </a:prstGeom>
+          <a:noFill/>
+        </p:spPr>
+        <p:txBody>
+          <a:bodyPr wrap="square" rtlCol="0">
+            <a:spAutoFit/>
+          </a:bodyPr>
+          <a:lstStyle/>
+          <a:p>
+            <a:r>
+              <a:rPr lang="pt-BR" dirty="0"/>
+              <a:t>Auto ML Regressão</a:t>
+            </a:r>
+          </a:p>
+        </p:txBody>
+      </p:sp>
+      <p:sp>
+        <p:nvSpPr>
+          <p:cNvPr id="14" name="CaixaDeTexto 13">
+            <a:extLst>
+              <a:ext uri="{FF2B5EF4-FFF2-40B4-BE49-F238E27FC236}">
+                <a16:creationId xmlns:a16="http://schemas.microsoft.com/office/drawing/2014/main" id="{E8068DFD-2FC2-4D27-9963-728A6F31CF3F}"/>
+              </a:ext>
+            </a:extLst>
+          </p:cNvPr>
+          <p:cNvSpPr txBox="1"/>
+          <p:nvPr/>
+        </p:nvSpPr>
+        <p:spPr>
+          <a:xfrm>
+            <a:off x="7819053" y="3279758"/>
+            <a:ext cx="3717586" cy="646331"/>
+          </a:xfrm>
+          <a:prstGeom prst="rect">
+            <a:avLst/>
+          </a:prstGeom>
+          <a:noFill/>
+        </p:spPr>
+        <p:txBody>
+          <a:bodyPr wrap="square" rtlCol="0">
+            <a:spAutoFit/>
+          </a:bodyPr>
+          <a:lstStyle/>
+          <a:p>
+            <a:r>
+              <a:rPr lang="pt-BR" dirty="0"/>
+              <a:t>Macro para leitura de objetos dos processos de transformação</a:t>
+            </a:r>
+          </a:p>
+        </p:txBody>
+      </p:sp>
+      <p:sp>
+        <p:nvSpPr>
+          <p:cNvPr id="15" name="CaixaDeTexto 14">
+            <a:extLst>
+              <a:ext uri="{FF2B5EF4-FFF2-40B4-BE49-F238E27FC236}">
+                <a16:creationId xmlns:a16="http://schemas.microsoft.com/office/drawing/2014/main" id="{71AABAA5-0A88-404F-AC16-DCCF6F877C56}"/>
+              </a:ext>
+            </a:extLst>
+          </p:cNvPr>
+          <p:cNvSpPr txBox="1"/>
+          <p:nvPr/>
+        </p:nvSpPr>
+        <p:spPr>
+          <a:xfrm>
+            <a:off x="3361357" y="5236643"/>
+            <a:ext cx="2830727" cy="369332"/>
+          </a:xfrm>
+          <a:prstGeom prst="rect">
+            <a:avLst/>
+          </a:prstGeom>
+          <a:noFill/>
+        </p:spPr>
+        <p:txBody>
+          <a:bodyPr wrap="square" rtlCol="0">
+            <a:spAutoFit/>
+          </a:bodyPr>
+          <a:lstStyle/>
+          <a:p>
+            <a:r>
+              <a:rPr lang="pt-BR" dirty="0"/>
+              <a:t>Macro para análise de erros</a:t>
+            </a:r>
+          </a:p>
+        </p:txBody>
+      </p:sp>
+      <p:sp>
+        <p:nvSpPr>
+          <p:cNvPr id="16" name="CaixaDeTexto 15">
+            <a:extLst>
+              <a:ext uri="{FF2B5EF4-FFF2-40B4-BE49-F238E27FC236}">
+                <a16:creationId xmlns:a16="http://schemas.microsoft.com/office/drawing/2014/main" id="{57BF9ACD-0FCE-432D-8E9C-8C04CF7325C8}"/>
+              </a:ext>
+            </a:extLst>
+          </p:cNvPr>
+          <p:cNvSpPr txBox="1"/>
+          <p:nvPr/>
+        </p:nvSpPr>
+        <p:spPr>
+          <a:xfrm>
+            <a:off x="6657138" y="5236643"/>
+            <a:ext cx="5534861" cy="369332"/>
+          </a:xfrm>
+          <a:prstGeom prst="rect">
+            <a:avLst/>
+          </a:prstGeom>
+          <a:noFill/>
+        </p:spPr>
+        <p:txBody>
+          <a:bodyPr wrap="square" rtlCol="0">
+            <a:spAutoFit/>
+          </a:bodyPr>
+          <a:lstStyle/>
+          <a:p>
+            <a:r>
+              <a:rPr lang="pt-BR" dirty="0"/>
+              <a:t>Macro para interpretação da predição de uma amostra</a:t>
+            </a:r>
+          </a:p>
+        </p:txBody>
+      </p:sp>
+    </p:spTree>
+    <p:extLst>
+      <p:ext uri="{BB962C8B-B14F-4D97-AF65-F5344CB8AC3E}">
+        <p14:creationId xmlns:p14="http://schemas.microsoft.com/office/powerpoint/2010/main" val="3467007845"/>
+      </p:ext>
+    </p:extLst>
+  </p:cSld>
+  <p:clrMapOvr>
+    <a:masterClrMapping/>
+  </p:clrMapOvr>
+  <p:transition spd="med">
+    <p:fade/>
+  </p:transition>
+</p:sld>
+</file>
+
+<file path=ppt/slides/slide11.xml><?xml version="1.0" encoding="utf-8"?>
+<p:sld xmlns:a="http://schemas.openxmlformats.org/drawingml/2006/main" xmlns:r="http://schemas.openxmlformats.org/officeDocument/2006/relationships" xmlns:p="http://schemas.openxmlformats.org/presentationml/2006/main">
+  <p:cSld>
+    <p:spTree>
+      <p:nvGrpSpPr>
+        <p:cNvPr id="1" name=""/>
+        <p:cNvGrpSpPr/>
+        <p:nvPr/>
+      </p:nvGrpSpPr>
+      <p:grpSpPr>
+        <a:xfrm>
+          <a:off x="0" y="0"/>
+          <a:ext cx="0" cy="0"/>
+          <a:chOff x="0" y="0"/>
+          <a:chExt cx="0" cy="0"/>
+        </a:xfrm>
+      </p:grpSpPr>
+      <p:sp>
+        <p:nvSpPr>
+          <p:cNvPr id="4" name="Título 1"/>
+          <p:cNvSpPr>
+            <a:spLocks noGrp="1"/>
+          </p:cNvSpPr>
+          <p:nvPr>
+            <p:ph type="title"/>
+          </p:nvPr>
+        </p:nvSpPr>
+        <p:spPr>
+          <a:xfrm>
+            <a:off x="103229" y="116632"/>
+            <a:ext cx="9916683" cy="432048"/>
+          </a:xfrm>
+        </p:spPr>
+        <p:txBody>
+          <a:bodyPr>
+            <a:noAutofit/>
+          </a:bodyPr>
+          <a:lstStyle/>
+          <a:p>
+            <a:r>
+              <a:rPr lang="pt-BR" sz="3200" b="1" i="1" dirty="0">
+                <a:solidFill>
+                  <a:srgbClr val="002060"/>
+                </a:solidFill>
+              </a:rPr>
+              <a:t>Alteryx – macros – configuração de parâmetros</a:t>
+            </a:r>
+          </a:p>
+        </p:txBody>
+      </p:sp>
+      <p:pic>
+        <p:nvPicPr>
+          <p:cNvPr id="2" name="Imagem 1">
+            <a:extLst>
+              <a:ext uri="{FF2B5EF4-FFF2-40B4-BE49-F238E27FC236}">
+                <a16:creationId xmlns:a16="http://schemas.microsoft.com/office/drawing/2014/main" id="{48E39A3F-0B05-4781-B2EF-7E577BDAA296}"/>
+              </a:ext>
+            </a:extLst>
+          </p:cNvPr>
+          <p:cNvPicPr>
+            <a:picLocks noChangeAspect="1"/>
+          </p:cNvPicPr>
+          <p:nvPr/>
+        </p:nvPicPr>
+        <p:blipFill>
+          <a:blip r:embed="rId3"/>
+          <a:stretch>
+            <a:fillRect/>
+          </a:stretch>
+        </p:blipFill>
+        <p:spPr>
+          <a:xfrm>
+            <a:off x="243107" y="1329324"/>
+            <a:ext cx="5291822" cy="3524030"/>
+          </a:xfrm>
+          <a:prstGeom prst="rect">
+            <a:avLst/>
+          </a:prstGeom>
+        </p:spPr>
+      </p:pic>
+      <p:pic>
+        <p:nvPicPr>
+          <p:cNvPr id="3" name="Imagem 2">
+            <a:extLst>
+              <a:ext uri="{FF2B5EF4-FFF2-40B4-BE49-F238E27FC236}">
+                <a16:creationId xmlns:a16="http://schemas.microsoft.com/office/drawing/2014/main" id="{73DED426-FBBF-4CFA-ACDA-2D17F6311CD8}"/>
+              </a:ext>
+            </a:extLst>
+          </p:cNvPr>
+          <p:cNvPicPr>
+            <a:picLocks noChangeAspect="1"/>
+          </p:cNvPicPr>
+          <p:nvPr/>
+        </p:nvPicPr>
+        <p:blipFill>
+          <a:blip r:embed="rId4"/>
+          <a:stretch>
+            <a:fillRect/>
+          </a:stretch>
+        </p:blipFill>
+        <p:spPr>
+          <a:xfrm>
+            <a:off x="6277246" y="2791302"/>
+            <a:ext cx="5516930" cy="3524030"/>
+          </a:xfrm>
+          <a:prstGeom prst="rect">
+            <a:avLst/>
+          </a:prstGeom>
+        </p:spPr>
+      </p:pic>
+    </p:spTree>
+    <p:extLst>
+      <p:ext uri="{BB962C8B-B14F-4D97-AF65-F5344CB8AC3E}">
+        <p14:creationId xmlns:p14="http://schemas.microsoft.com/office/powerpoint/2010/main" val="741693917"/>
+      </p:ext>
+    </p:extLst>
+  </p:cSld>
+  <p:clrMapOvr>
+    <a:masterClrMapping/>
+  </p:clrMapOvr>
+  <p:transition spd="med">
+    <p:fade/>
+  </p:transition>
+</p:sld>
+</file>
+
+<file path=ppt/slides/slide12.xml><?xml version="1.0" encoding="utf-8"?>
+<p:sld xmlns:a="http://schemas.openxmlformats.org/drawingml/2006/main" xmlns:r="http://schemas.openxmlformats.org/officeDocument/2006/relationships" xmlns:p="http://schemas.openxmlformats.org/presentationml/2006/main">
+  <p:cSld>
+    <p:spTree>
+      <p:nvGrpSpPr>
+        <p:cNvPr id="1" name=""/>
+        <p:cNvGrpSpPr/>
+        <p:nvPr/>
+      </p:nvGrpSpPr>
+      <p:grpSpPr>
+        <a:xfrm>
+          <a:off x="0" y="0"/>
+          <a:ext cx="0" cy="0"/>
+          <a:chOff x="0" y="0"/>
+          <a:chExt cx="0" cy="0"/>
+        </a:xfrm>
+      </p:grpSpPr>
+      <p:sp>
+        <p:nvSpPr>
+          <p:cNvPr id="4" name="Título 1"/>
+          <p:cNvSpPr>
+            <a:spLocks noGrp="1"/>
+          </p:cNvSpPr>
+          <p:nvPr>
+            <p:ph type="title"/>
+          </p:nvPr>
+        </p:nvSpPr>
+        <p:spPr>
+          <a:xfrm>
+            <a:off x="103229" y="116632"/>
+            <a:ext cx="9916683" cy="432048"/>
+          </a:xfrm>
+        </p:spPr>
+        <p:txBody>
+          <a:bodyPr>
+            <a:noAutofit/>
+          </a:bodyPr>
+          <a:lstStyle/>
+          <a:p>
+            <a:r>
+              <a:rPr lang="pt-BR" sz="3200" b="1" i="1" dirty="0">
+                <a:solidFill>
+                  <a:srgbClr val="002060"/>
+                </a:solidFill>
+              </a:rPr>
+              <a:t>Alteryx – limpeza de dados</a:t>
+            </a:r>
+          </a:p>
+        </p:txBody>
+      </p:sp>
+      <p:pic>
+        <p:nvPicPr>
+          <p:cNvPr id="2" name="Imagem 1">
+            <a:extLst>
+              <a:ext uri="{FF2B5EF4-FFF2-40B4-BE49-F238E27FC236}">
+                <a16:creationId xmlns:a16="http://schemas.microsoft.com/office/drawing/2014/main" id="{A6F58B36-5231-4D76-BC44-045FBA3895FC}"/>
+              </a:ext>
+            </a:extLst>
+          </p:cNvPr>
+          <p:cNvPicPr>
+            <a:picLocks noChangeAspect="1"/>
+          </p:cNvPicPr>
+          <p:nvPr/>
+        </p:nvPicPr>
+        <p:blipFill>
+          <a:blip r:embed="rId3"/>
+          <a:stretch>
+            <a:fillRect/>
+          </a:stretch>
+        </p:blipFill>
+        <p:spPr>
+          <a:xfrm>
+            <a:off x="998475" y="1247426"/>
+            <a:ext cx="10195049" cy="4705407"/>
+          </a:xfrm>
+          <a:prstGeom prst="rect">
+            <a:avLst/>
+          </a:prstGeom>
+        </p:spPr>
+      </p:pic>
+    </p:spTree>
+    <p:extLst>
+      <p:ext uri="{BB962C8B-B14F-4D97-AF65-F5344CB8AC3E}">
+        <p14:creationId xmlns:p14="http://schemas.microsoft.com/office/powerpoint/2010/main" val="1446833596"/>
+      </p:ext>
+    </p:extLst>
+  </p:cSld>
+  <p:clrMapOvr>
+    <a:masterClrMapping/>
+  </p:clrMapOvr>
+  <p:transition spd="med">
+    <p:fade/>
+  </p:transition>
+</p:sld>
+</file>
+
+<file path=ppt/slides/slide13.xml><?xml version="1.0" encoding="utf-8"?>
+<p:sld xmlns:a="http://schemas.openxmlformats.org/drawingml/2006/main" xmlns:r="http://schemas.openxmlformats.org/officeDocument/2006/relationships" xmlns:p="http://schemas.openxmlformats.org/presentationml/2006/main">
+  <p:cSld>
+    <p:spTree>
+      <p:nvGrpSpPr>
+        <p:cNvPr id="1" name=""/>
+        <p:cNvGrpSpPr/>
+        <p:nvPr/>
+      </p:nvGrpSpPr>
+      <p:grpSpPr>
+        <a:xfrm>
+          <a:off x="0" y="0"/>
+          <a:ext cx="0" cy="0"/>
+          <a:chOff x="0" y="0"/>
+          <a:chExt cx="0" cy="0"/>
+        </a:xfrm>
+      </p:grpSpPr>
+      <p:sp>
+        <p:nvSpPr>
+          <p:cNvPr id="4" name="Título 1"/>
+          <p:cNvSpPr>
+            <a:spLocks noGrp="1"/>
+          </p:cNvSpPr>
+          <p:nvPr>
+            <p:ph type="title"/>
+          </p:nvPr>
+        </p:nvSpPr>
+        <p:spPr>
+          <a:xfrm>
+            <a:off x="103229" y="116632"/>
+            <a:ext cx="9916683" cy="432048"/>
+          </a:xfrm>
+        </p:spPr>
+        <p:txBody>
+          <a:bodyPr>
+            <a:noAutofit/>
+          </a:bodyPr>
+          <a:lstStyle/>
+          <a:p>
+            <a:r>
+              <a:rPr lang="pt-BR" sz="3200" b="1" i="1" dirty="0">
+                <a:solidFill>
+                  <a:srgbClr val="002060"/>
+                </a:solidFill>
+              </a:rPr>
+              <a:t>Alteryx –  Engenharia de Atributos – Feature Engineering</a:t>
+            </a:r>
+          </a:p>
+        </p:txBody>
+      </p:sp>
+      <p:pic>
+        <p:nvPicPr>
+          <p:cNvPr id="2" name="Imagem 1">
+            <a:extLst>
+              <a:ext uri="{FF2B5EF4-FFF2-40B4-BE49-F238E27FC236}">
+                <a16:creationId xmlns:a16="http://schemas.microsoft.com/office/drawing/2014/main" id="{9911743F-181D-434B-9B42-1DF519E324F0}"/>
+              </a:ext>
+            </a:extLst>
+          </p:cNvPr>
+          <p:cNvPicPr>
+            <a:picLocks noChangeAspect="1"/>
+          </p:cNvPicPr>
+          <p:nvPr/>
+        </p:nvPicPr>
+        <p:blipFill>
+          <a:blip r:embed="rId3"/>
+          <a:stretch>
+            <a:fillRect/>
+          </a:stretch>
+        </p:blipFill>
+        <p:spPr>
+          <a:xfrm>
+            <a:off x="975837" y="1436919"/>
+            <a:ext cx="9818004" cy="4619204"/>
+          </a:xfrm>
+          <a:prstGeom prst="rect">
+            <a:avLst/>
+          </a:prstGeom>
+        </p:spPr>
+      </p:pic>
+    </p:spTree>
+    <p:extLst>
+      <p:ext uri="{BB962C8B-B14F-4D97-AF65-F5344CB8AC3E}">
+        <p14:creationId xmlns:p14="http://schemas.microsoft.com/office/powerpoint/2010/main" val="4283546053"/>
+      </p:ext>
+    </p:extLst>
+  </p:cSld>
+  <p:clrMapOvr>
+    <a:masterClrMapping/>
+  </p:clrMapOvr>
+  <p:transition spd="med">
+    <p:fade/>
+  </p:transition>
+</p:sld>
+</file>
+
+<file path=ppt/slides/slide14.xml><?xml version="1.0" encoding="utf-8"?>
+<p:sld xmlns:a="http://schemas.openxmlformats.org/drawingml/2006/main" xmlns:r="http://schemas.openxmlformats.org/officeDocument/2006/relationships" xmlns:p="http://schemas.openxmlformats.org/presentationml/2006/main">
+  <p:cSld>
+    <p:spTree>
+      <p:nvGrpSpPr>
+        <p:cNvPr id="1" name=""/>
+        <p:cNvGrpSpPr/>
+        <p:nvPr/>
+      </p:nvGrpSpPr>
+      <p:grpSpPr>
+        <a:xfrm>
+          <a:off x="0" y="0"/>
+          <a:ext cx="0" cy="0"/>
+          <a:chOff x="0" y="0"/>
+          <a:chExt cx="0" cy="0"/>
+        </a:xfrm>
+      </p:grpSpPr>
+      <p:sp>
+        <p:nvSpPr>
+          <p:cNvPr id="4" name="Título 1"/>
+          <p:cNvSpPr>
+            <a:spLocks noGrp="1"/>
+          </p:cNvSpPr>
+          <p:nvPr>
+            <p:ph type="title"/>
+          </p:nvPr>
+        </p:nvSpPr>
+        <p:spPr>
+          <a:xfrm>
+            <a:off x="103229" y="116632"/>
+            <a:ext cx="9916683" cy="432048"/>
+          </a:xfrm>
+        </p:spPr>
+        <p:txBody>
+          <a:bodyPr>
+            <a:noAutofit/>
+          </a:bodyPr>
+          <a:lstStyle/>
+          <a:p>
+            <a:r>
+              <a:rPr lang="pt-BR" sz="3200" b="1" i="1" dirty="0">
+                <a:solidFill>
+                  <a:srgbClr val="002060"/>
+                </a:solidFill>
+              </a:rPr>
+              <a:t>Alteryx –  Seleção de Atributos – Feature Selection</a:t>
+            </a:r>
+          </a:p>
+        </p:txBody>
+      </p:sp>
+      <p:pic>
+        <p:nvPicPr>
+          <p:cNvPr id="2" name="Imagem 1">
+            <a:extLst>
+              <a:ext uri="{FF2B5EF4-FFF2-40B4-BE49-F238E27FC236}">
+                <a16:creationId xmlns:a16="http://schemas.microsoft.com/office/drawing/2014/main" id="{07D767BF-E13D-4378-9301-4BC5F5509413}"/>
+              </a:ext>
+            </a:extLst>
+          </p:cNvPr>
+          <p:cNvPicPr>
+            <a:picLocks noChangeAspect="1"/>
+          </p:cNvPicPr>
+          <p:nvPr/>
+        </p:nvPicPr>
+        <p:blipFill>
+          <a:blip r:embed="rId3"/>
+          <a:stretch>
+            <a:fillRect/>
+          </a:stretch>
+        </p:blipFill>
+        <p:spPr>
+          <a:xfrm>
+            <a:off x="1863958" y="1800664"/>
+            <a:ext cx="8464084" cy="3905177"/>
+          </a:xfrm>
+          <a:prstGeom prst="rect">
+            <a:avLst/>
+          </a:prstGeom>
+        </p:spPr>
+      </p:pic>
+    </p:spTree>
+    <p:extLst>
+      <p:ext uri="{BB962C8B-B14F-4D97-AF65-F5344CB8AC3E}">
+        <p14:creationId xmlns:p14="http://schemas.microsoft.com/office/powerpoint/2010/main" val="3667854656"/>
+      </p:ext>
+    </p:extLst>
+  </p:cSld>
+  <p:clrMapOvr>
+    <a:masterClrMapping/>
+  </p:clrMapOvr>
+  <p:transition spd="med">
+    <p:fade/>
+  </p:transition>
+</p:sld>
+</file>
+
+<file path=ppt/slides/slide15.xml><?xml version="1.0" encoding="utf-8"?>
+<p:sld xmlns:a="http://schemas.openxmlformats.org/drawingml/2006/main" xmlns:r="http://schemas.openxmlformats.org/officeDocument/2006/relationships" xmlns:p="http://schemas.openxmlformats.org/presentationml/2006/main">
+  <p:cSld>
+    <p:spTree>
+      <p:nvGrpSpPr>
+        <p:cNvPr id="1" name=""/>
+        <p:cNvGrpSpPr/>
+        <p:nvPr/>
+      </p:nvGrpSpPr>
+      <p:grpSpPr>
+        <a:xfrm>
+          <a:off x="0" y="0"/>
+          <a:ext cx="0" cy="0"/>
+          <a:chOff x="0" y="0"/>
+          <a:chExt cx="0" cy="0"/>
+        </a:xfrm>
+      </p:grpSpPr>
+      <p:sp>
+        <p:nvSpPr>
+          <p:cNvPr id="4" name="Título 1"/>
+          <p:cNvSpPr>
+            <a:spLocks noGrp="1"/>
+          </p:cNvSpPr>
+          <p:nvPr>
+            <p:ph type="title"/>
+          </p:nvPr>
+        </p:nvSpPr>
+        <p:spPr>
+          <a:xfrm>
+            <a:off x="103229" y="116632"/>
+            <a:ext cx="9916683" cy="432048"/>
+          </a:xfrm>
+        </p:spPr>
+        <p:txBody>
+          <a:bodyPr>
+            <a:noAutofit/>
+          </a:bodyPr>
+          <a:lstStyle/>
+          <a:p>
+            <a:r>
+              <a:rPr lang="pt-BR" sz="3200" b="1" i="1" dirty="0">
+                <a:solidFill>
+                  <a:srgbClr val="002060"/>
+                </a:solidFill>
+              </a:rPr>
+              <a:t>Alteryx –  Modelagem estatística</a:t>
+            </a:r>
+          </a:p>
+        </p:txBody>
+      </p:sp>
+      <p:pic>
+        <p:nvPicPr>
+          <p:cNvPr id="2" name="Imagem 1">
+            <a:extLst>
+              <a:ext uri="{FF2B5EF4-FFF2-40B4-BE49-F238E27FC236}">
+                <a16:creationId xmlns:a16="http://schemas.microsoft.com/office/drawing/2014/main" id="{BDE3E86D-8260-4051-9D2E-EA54179594C9}"/>
+              </a:ext>
+            </a:extLst>
+          </p:cNvPr>
+          <p:cNvPicPr>
+            <a:picLocks noChangeAspect="1"/>
+          </p:cNvPicPr>
+          <p:nvPr/>
+        </p:nvPicPr>
+        <p:blipFill>
+          <a:blip r:embed="rId3"/>
+          <a:stretch>
+            <a:fillRect/>
+          </a:stretch>
+        </p:blipFill>
+        <p:spPr>
+          <a:xfrm>
+            <a:off x="785519" y="1555432"/>
+            <a:ext cx="10620962" cy="4865086"/>
+          </a:xfrm>
+          <a:prstGeom prst="rect">
+            <a:avLst/>
+          </a:prstGeom>
+        </p:spPr>
+      </p:pic>
+    </p:spTree>
+    <p:extLst>
+      <p:ext uri="{BB962C8B-B14F-4D97-AF65-F5344CB8AC3E}">
+        <p14:creationId xmlns:p14="http://schemas.microsoft.com/office/powerpoint/2010/main" val="129144060"/>
+      </p:ext>
+    </p:extLst>
+  </p:cSld>
+  <p:clrMapOvr>
+    <a:masterClrMapping/>
+  </p:clrMapOvr>
+  <p:transition spd="med">
+    <p:fade/>
+  </p:transition>
+</p:sld>
+</file>
+
+<file path=ppt/slides/slide16.xml><?xml version="1.0" encoding="utf-8"?>
+<p:sld xmlns:a="http://schemas.openxmlformats.org/drawingml/2006/main" xmlns:r="http://schemas.openxmlformats.org/officeDocument/2006/relationships" xmlns:p="http://schemas.openxmlformats.org/presentationml/2006/main">
+  <p:cSld>
+    <p:spTree>
+      <p:nvGrpSpPr>
+        <p:cNvPr id="1" name=""/>
+        <p:cNvGrpSpPr/>
+        <p:nvPr/>
+      </p:nvGrpSpPr>
+      <p:grpSpPr>
+        <a:xfrm>
+          <a:off x="0" y="0"/>
+          <a:ext cx="0" cy="0"/>
+          <a:chOff x="0" y="0"/>
+          <a:chExt cx="0" cy="0"/>
+        </a:xfrm>
+      </p:grpSpPr>
+      <p:sp>
+        <p:nvSpPr>
+          <p:cNvPr id="4" name="Título 1"/>
+          <p:cNvSpPr>
+            <a:spLocks noGrp="1"/>
+          </p:cNvSpPr>
+          <p:nvPr>
+            <p:ph type="title"/>
+          </p:nvPr>
+        </p:nvSpPr>
+        <p:spPr>
+          <a:xfrm>
+            <a:off x="103229" y="116632"/>
+            <a:ext cx="9916683" cy="432048"/>
+          </a:xfrm>
+        </p:spPr>
+        <p:txBody>
+          <a:bodyPr>
+            <a:noAutofit/>
+          </a:bodyPr>
+          <a:lstStyle/>
+          <a:p>
+            <a:r>
+              <a:rPr lang="pt-BR" sz="3200" b="1" i="1" dirty="0">
+                <a:solidFill>
+                  <a:srgbClr val="002060"/>
+                </a:solidFill>
+              </a:rPr>
+              <a:t>Alteryx –  Análise de erros</a:t>
+            </a:r>
+          </a:p>
+        </p:txBody>
+      </p:sp>
+      <p:pic>
+        <p:nvPicPr>
+          <p:cNvPr id="2" name="Imagem 1">
+            <a:extLst>
+              <a:ext uri="{FF2B5EF4-FFF2-40B4-BE49-F238E27FC236}">
+                <a16:creationId xmlns:a16="http://schemas.microsoft.com/office/drawing/2014/main" id="{7328C84E-07DA-4412-89CE-505FE081BD52}"/>
+              </a:ext>
+            </a:extLst>
+          </p:cNvPr>
+          <p:cNvPicPr>
+            <a:picLocks noChangeAspect="1"/>
+          </p:cNvPicPr>
+          <p:nvPr/>
+        </p:nvPicPr>
+        <p:blipFill>
+          <a:blip r:embed="rId3"/>
+          <a:stretch>
+            <a:fillRect/>
+          </a:stretch>
+        </p:blipFill>
+        <p:spPr>
+          <a:xfrm>
+            <a:off x="2201227" y="1129004"/>
+            <a:ext cx="7097518" cy="5365155"/>
+          </a:xfrm>
+          <a:prstGeom prst="rect">
+            <a:avLst/>
+          </a:prstGeom>
+        </p:spPr>
+      </p:pic>
+    </p:spTree>
+    <p:extLst>
+      <p:ext uri="{BB962C8B-B14F-4D97-AF65-F5344CB8AC3E}">
+        <p14:creationId xmlns:p14="http://schemas.microsoft.com/office/powerpoint/2010/main" val="3628678155"/>
+      </p:ext>
+    </p:extLst>
+  </p:cSld>
+  <p:clrMapOvr>
+    <a:masterClrMapping/>
+  </p:clrMapOvr>
+  <p:transition spd="med">
+    <p:fade/>
+  </p:transition>
+</p:sld>
+</file>
+
+<file path=ppt/slides/slide17.xml><?xml version="1.0" encoding="utf-8"?>
+<p:sld xmlns:a="http://schemas.openxmlformats.org/drawingml/2006/main" xmlns:r="http://schemas.openxmlformats.org/officeDocument/2006/relationships" xmlns:p="http://schemas.openxmlformats.org/presentationml/2006/main">
+  <p:cSld>
+    <p:spTree>
+      <p:nvGrpSpPr>
+        <p:cNvPr id="1" name=""/>
+        <p:cNvGrpSpPr/>
+        <p:nvPr/>
+      </p:nvGrpSpPr>
+      <p:grpSpPr>
+        <a:xfrm>
+          <a:off x="0" y="0"/>
+          <a:ext cx="0" cy="0"/>
+          <a:chOff x="0" y="0"/>
+          <a:chExt cx="0" cy="0"/>
+        </a:xfrm>
+      </p:grpSpPr>
+      <p:sp>
+        <p:nvSpPr>
+          <p:cNvPr id="4" name="Título 1"/>
+          <p:cNvSpPr>
+            <a:spLocks noGrp="1"/>
+          </p:cNvSpPr>
+          <p:nvPr>
+            <p:ph type="title"/>
+          </p:nvPr>
+        </p:nvSpPr>
+        <p:spPr>
+          <a:xfrm>
+            <a:off x="103229" y="116632"/>
+            <a:ext cx="9916683" cy="432048"/>
+          </a:xfrm>
+        </p:spPr>
+        <p:txBody>
+          <a:bodyPr>
+            <a:noAutofit/>
+          </a:bodyPr>
+          <a:lstStyle/>
+          <a:p>
+            <a:r>
+              <a:rPr lang="pt-BR" sz="3200" b="1" i="1" dirty="0">
+                <a:solidFill>
+                  <a:srgbClr val="002060"/>
+                </a:solidFill>
+              </a:rPr>
+              <a:t>Alteryx –  Interpretação de amostras</a:t>
+            </a:r>
+          </a:p>
+        </p:txBody>
+      </p:sp>
+    </p:spTree>
+    <p:extLst>
+      <p:ext uri="{BB962C8B-B14F-4D97-AF65-F5344CB8AC3E}">
+        <p14:creationId xmlns:p14="http://schemas.microsoft.com/office/powerpoint/2010/main" val="683229992"/>
+      </p:ext>
+    </p:extLst>
+  </p:cSld>
+  <p:clrMapOvr>
+    <a:masterClrMapping/>
+  </p:clrMapOvr>
+  <p:transition spd="med">
+    <p:fade/>
+  </p:transition>
+</p:sld>
+</file>
+
 <file path=ppt/slides/slide2.xml><?xml version="1.0" encoding="utf-8"?>
 <p:sld xmlns:a="http://schemas.openxmlformats.org/drawingml/2006/main" xmlns:r="http://schemas.openxmlformats.org/officeDocument/2006/relationships" xmlns:p="http://schemas.openxmlformats.org/presentationml/2006/main">
   <p:cSld>
@@ -6847,30 +8925,17 @@
                   <a:srgbClr val="002060"/>
                 </a:solidFill>
               </a:rPr>
-              <a:t>Pipeline de dados em Ad. </a:t>
-            </a:r>
-            <a:r>
-              <a:rPr lang="pt-BR" sz="3200" b="1" i="1" dirty="0" err="1">
-                <a:solidFill>
-                  <a:srgbClr val="002060"/>
-                </a:solidFill>
-              </a:rPr>
-              <a:t>Analytics</a:t>
-            </a:r>
-            <a:endParaRPr lang="pt-BR" sz="3200" b="1" i="1" dirty="0">
-              <a:solidFill>
-                <a:srgbClr val="002060"/>
-              </a:solidFill>
-            </a:endParaRPr>
+              <a:t>Tipos de análises de dados</a:t>
+            </a:r>
           </a:p>
         </p:txBody>
       </p:sp>
       <p:pic>
         <p:nvPicPr>
-          <p:cNvPr id="7" name="Imagem 6">
+          <p:cNvPr id="3" name="Imagem 2">
             <a:extLst>
               <a:ext uri="{FF2B5EF4-FFF2-40B4-BE49-F238E27FC236}">
-                <a16:creationId xmlns:a16="http://schemas.microsoft.com/office/drawing/2014/main" id="{810B577B-645F-49C1-AA2F-604EB30A9975}"/>
+                <a16:creationId xmlns:a16="http://schemas.microsoft.com/office/drawing/2014/main" id="{33E49C9C-CCB5-48C6-BA48-D8D05A9184B1}"/>
               </a:ext>
             </a:extLst>
           </p:cNvPr>
@@ -6887,8 +8952,8 @@
         </p:blipFill>
         <p:spPr>
           <a:xfrm>
-            <a:off x="817353" y="1527759"/>
-            <a:ext cx="10326119" cy="4555640"/>
+            <a:off x="1196794" y="1012832"/>
+            <a:ext cx="10328251" cy="5845168"/>
           </a:xfrm>
           <a:prstGeom prst="rect">
             <a:avLst/>
@@ -6956,21 +9021,254 @@
                   <a:srgbClr val="002060"/>
                 </a:solidFill>
               </a:rPr>
-              <a:t>Pipeline detalhado de dados em Ad. </a:t>
-            </a:r>
-            <a:r>
-              <a:rPr lang="pt-BR" sz="3200" b="1" i="1" dirty="0" err="1">
+              <a:t>Crisp – DM  -  </a:t>
+            </a:r>
+            <a:r>
+              <a:rPr lang="pt-BR" sz="2800" i="1" dirty="0"/>
+              <a:t>Cross Industry Standard Process for Data Mining</a:t>
+            </a:r>
+            <a:r>
+              <a:rPr lang="pt-BR" sz="2800" b="1" i="1" dirty="0">
                 <a:solidFill>
                   <a:srgbClr val="002060"/>
                 </a:solidFill>
               </a:rPr>
-              <a:t>Analytics</a:t>
-            </a:r>
-            <a:endParaRPr lang="pt-BR" sz="3200" b="1" i="1" dirty="0">
-              <a:solidFill>
-                <a:srgbClr val="002060"/>
-              </a:solidFill>
-            </a:endParaRPr>
+              <a:t> </a:t>
+            </a:r>
+          </a:p>
+        </p:txBody>
+      </p:sp>
+      <p:pic>
+        <p:nvPicPr>
+          <p:cNvPr id="5" name="Imagem 5" descr="Diagrama&#10;&#10;Descrição gerada automaticamente">
+            <a:extLst>
+              <a:ext uri="{FF2B5EF4-FFF2-40B4-BE49-F238E27FC236}">
+                <a16:creationId xmlns:a16="http://schemas.microsoft.com/office/drawing/2014/main" id="{2864F3B1-A881-418F-889E-BD0DEE19FE1F}"/>
+              </a:ext>
+            </a:extLst>
+          </p:cNvPr>
+          <p:cNvPicPr>
+            <a:picLocks noChangeAspect="1"/>
+          </p:cNvPicPr>
+          <p:nvPr/>
+        </p:nvPicPr>
+        <p:blipFill>
+          <a:blip r:embed="rId3"/>
+          <a:stretch>
+            <a:fillRect/>
+          </a:stretch>
+        </p:blipFill>
+        <p:spPr>
+          <a:xfrm>
+            <a:off x="6513316" y="1350649"/>
+            <a:ext cx="5123161" cy="5127477"/>
+          </a:xfrm>
+          <a:prstGeom prst="rect">
+            <a:avLst/>
+          </a:prstGeom>
+        </p:spPr>
+      </p:pic>
+      <p:sp>
+        <p:nvSpPr>
+          <p:cNvPr id="2" name="Retângulo 1">
+            <a:extLst>
+              <a:ext uri="{FF2B5EF4-FFF2-40B4-BE49-F238E27FC236}">
+                <a16:creationId xmlns:a16="http://schemas.microsoft.com/office/drawing/2014/main" id="{476E41E3-07FA-43BA-A11D-CE95E47A8A19}"/>
+              </a:ext>
+            </a:extLst>
+          </p:cNvPr>
+          <p:cNvSpPr/>
+          <p:nvPr/>
+        </p:nvSpPr>
+        <p:spPr>
+          <a:xfrm>
+            <a:off x="417316" y="2208496"/>
+            <a:ext cx="6096000" cy="3108543"/>
+          </a:xfrm>
+          <a:prstGeom prst="rect">
+            <a:avLst/>
+          </a:prstGeom>
+        </p:spPr>
+        <p:txBody>
+          <a:bodyPr>
+            <a:spAutoFit/>
+          </a:bodyPr>
+          <a:lstStyle/>
+          <a:p>
+            <a:r>
+              <a:rPr lang="pt-BR" sz="2800" dirty="0">
+                <a:cs typeface="Calibri" panose="020F0502020204030204"/>
+              </a:rPr>
+              <a:t>Essa metodologia é utilizada em mineração de dados, onde alguns processos em sequência são aplicados, junto com alguns ciclos, de forma que os dados possam ser entendidos e processados para </a:t>
+            </a:r>
+            <a:r>
+              <a:rPr lang="pt-BR" sz="2800" b="1" dirty="0">
+                <a:cs typeface="Calibri" panose="020F0502020204030204"/>
+              </a:rPr>
+              <a:t>extração de valor.</a:t>
+            </a:r>
+          </a:p>
+        </p:txBody>
+      </p:sp>
+    </p:spTree>
+    <p:extLst>
+      <p:ext uri="{BB962C8B-B14F-4D97-AF65-F5344CB8AC3E}">
+        <p14:creationId xmlns:p14="http://schemas.microsoft.com/office/powerpoint/2010/main" val="3410317892"/>
+      </p:ext>
+    </p:extLst>
+  </p:cSld>
+  <p:clrMapOvr>
+    <a:masterClrMapping/>
+  </p:clrMapOvr>
+  <p:transition spd="med">
+    <p:fade/>
+  </p:transition>
+</p:sld>
+</file>
+
+<file path=ppt/slides/slide4.xml><?xml version="1.0" encoding="utf-8"?>
+<p:sld xmlns:a="http://schemas.openxmlformats.org/drawingml/2006/main" xmlns:r="http://schemas.openxmlformats.org/officeDocument/2006/relationships" xmlns:p="http://schemas.openxmlformats.org/presentationml/2006/main">
+  <p:cSld>
+    <p:spTree>
+      <p:nvGrpSpPr>
+        <p:cNvPr id="1" name=""/>
+        <p:cNvGrpSpPr/>
+        <p:nvPr/>
+      </p:nvGrpSpPr>
+      <p:grpSpPr>
+        <a:xfrm>
+          <a:off x="0" y="0"/>
+          <a:ext cx="0" cy="0"/>
+          <a:chOff x="0" y="0"/>
+          <a:chExt cx="0" cy="0"/>
+        </a:xfrm>
+      </p:grpSpPr>
+      <p:sp>
+        <p:nvSpPr>
+          <p:cNvPr id="4" name="Título 1"/>
+          <p:cNvSpPr>
+            <a:spLocks noGrp="1"/>
+          </p:cNvSpPr>
+          <p:nvPr>
+            <p:ph type="title"/>
+          </p:nvPr>
+        </p:nvSpPr>
+        <p:spPr>
+          <a:xfrm>
+            <a:off x="103229" y="116632"/>
+            <a:ext cx="9916683" cy="432048"/>
+          </a:xfrm>
+        </p:spPr>
+        <p:txBody>
+          <a:bodyPr>
+            <a:noAutofit/>
+          </a:bodyPr>
+          <a:lstStyle/>
+          <a:p>
+            <a:r>
+              <a:rPr lang="pt-BR" sz="3200" b="1" i="1" dirty="0">
+                <a:solidFill>
+                  <a:srgbClr val="002060"/>
+                </a:solidFill>
+              </a:rPr>
+              <a:t>Pipeline de dados em Advanced. Analytics</a:t>
+            </a:r>
+          </a:p>
+        </p:txBody>
+      </p:sp>
+      <p:pic>
+        <p:nvPicPr>
+          <p:cNvPr id="7" name="Imagem 6">
+            <a:extLst>
+              <a:ext uri="{FF2B5EF4-FFF2-40B4-BE49-F238E27FC236}">
+                <a16:creationId xmlns:a16="http://schemas.microsoft.com/office/drawing/2014/main" id="{810B577B-645F-49C1-AA2F-604EB30A9975}"/>
+              </a:ext>
+            </a:extLst>
+          </p:cNvPr>
+          <p:cNvPicPr>
+            <a:picLocks noChangeAspect="1"/>
+          </p:cNvPicPr>
+          <p:nvPr/>
+        </p:nvPicPr>
+        <p:blipFill>
+          <a:blip r:embed="rId3"/>
+          <a:stretch>
+            <a:fillRect/>
+          </a:stretch>
+        </p:blipFill>
+        <p:spPr>
+          <a:xfrm>
+            <a:off x="817353" y="1298945"/>
+            <a:ext cx="10844764" cy="4784454"/>
+          </a:xfrm>
+          <a:prstGeom prst="rect">
+            <a:avLst/>
+          </a:prstGeom>
+        </p:spPr>
+      </p:pic>
+    </p:spTree>
+    <p:extLst>
+      <p:ext uri="{BB962C8B-B14F-4D97-AF65-F5344CB8AC3E}">
+        <p14:creationId xmlns:p14="http://schemas.microsoft.com/office/powerpoint/2010/main" val="91091896"/>
+      </p:ext>
+    </p:extLst>
+  </p:cSld>
+  <p:clrMapOvr>
+    <a:masterClrMapping/>
+  </p:clrMapOvr>
+  <p:transition spd="med">
+    <p:fade/>
+  </p:transition>
+</p:sld>
+</file>
+
+<file path=ppt/slides/slide5.xml><?xml version="1.0" encoding="utf-8"?>
+<p:sld xmlns:a="http://schemas.openxmlformats.org/drawingml/2006/main" xmlns:r="http://schemas.openxmlformats.org/officeDocument/2006/relationships" xmlns:p="http://schemas.openxmlformats.org/presentationml/2006/main">
+  <p:cSld>
+    <p:spTree>
+      <p:nvGrpSpPr>
+        <p:cNvPr id="1" name=""/>
+        <p:cNvGrpSpPr/>
+        <p:nvPr/>
+      </p:nvGrpSpPr>
+      <p:grpSpPr>
+        <a:xfrm>
+          <a:off x="0" y="0"/>
+          <a:ext cx="0" cy="0"/>
+          <a:chOff x="0" y="0"/>
+          <a:chExt cx="0" cy="0"/>
+        </a:xfrm>
+      </p:grpSpPr>
+      <p:sp>
+        <p:nvSpPr>
+          <p:cNvPr id="4" name="Título 1"/>
+          <p:cNvSpPr>
+            <a:spLocks noGrp="1"/>
+          </p:cNvSpPr>
+          <p:nvPr>
+            <p:ph type="title"/>
+          </p:nvPr>
+        </p:nvSpPr>
+        <p:spPr>
+          <a:xfrm>
+            <a:off x="103229" y="116632"/>
+            <a:ext cx="9916683" cy="432048"/>
+          </a:xfrm>
+        </p:spPr>
+        <p:txBody>
+          <a:bodyPr>
+            <a:noAutofit/>
+          </a:bodyPr>
+          <a:lstStyle/>
+          <a:p>
+            <a:r>
+              <a:rPr lang="pt-BR" sz="3200" b="1" i="1" dirty="0">
+                <a:solidFill>
+                  <a:srgbClr val="002060"/>
+                </a:solidFill>
+              </a:rPr>
+              <a:t>Pipeline detalhado de dados em Ad. Analytics</a:t>
+            </a:r>
           </a:p>
         </p:txBody>
       </p:sp>
@@ -7020,7 +9318,7 @@
 </p:sld>
 </file>
 
-<file path=ppt/slides/slide4.xml><?xml version="1.0" encoding="utf-8"?>
+<file path=ppt/slides/slide6.xml><?xml version="1.0" encoding="utf-8"?>
 <p:sld xmlns:a="http://schemas.openxmlformats.org/drawingml/2006/main" xmlns:r="http://schemas.openxmlformats.org/officeDocument/2006/relationships" xmlns:p="http://schemas.openxmlformats.org/presentationml/2006/main">
   <p:cSld>
     <p:spTree>
@@ -7065,21 +9363,8 @@
                   <a:srgbClr val="002060"/>
                 </a:solidFill>
               </a:rPr>
-              <a:t>Pipeline detalhado de dados em Ad. </a:t>
-            </a:r>
-            <a:r>
-              <a:rPr lang="pt-BR" sz="3200" b="1" i="1" dirty="0" err="1">
-                <a:solidFill>
-                  <a:srgbClr val="002060"/>
-                </a:solidFill>
-              </a:rPr>
-              <a:t>Analytics</a:t>
-            </a:r>
-            <a:endParaRPr lang="pt-BR" sz="3200" b="1" i="1" dirty="0">
-              <a:solidFill>
-                <a:srgbClr val="002060"/>
-              </a:solidFill>
-            </a:endParaRPr>
+              <a:t>Pipeline detalhado de dados em Ad. Analytics</a:t>
+            </a:r>
           </a:p>
         </p:txBody>
       </p:sp>
@@ -7189,545 +9474,6 @@
 </p:sld>
 </file>
 
-<file path=ppt/slides/slide5.xml><?xml version="1.0" encoding="utf-8"?>
-<p:sld xmlns:a="http://schemas.openxmlformats.org/drawingml/2006/main" xmlns:r="http://schemas.openxmlformats.org/officeDocument/2006/relationships" xmlns:p="http://schemas.openxmlformats.org/presentationml/2006/main">
-  <p:cSld>
-    <p:spTree>
-      <p:nvGrpSpPr>
-        <p:cNvPr id="1" name=""/>
-        <p:cNvGrpSpPr/>
-        <p:nvPr/>
-      </p:nvGrpSpPr>
-      <p:grpSpPr>
-        <a:xfrm>
-          <a:off x="0" y="0"/>
-          <a:ext cx="0" cy="0"/>
-          <a:chOff x="0" y="0"/>
-          <a:chExt cx="0" cy="0"/>
-        </a:xfrm>
-      </p:grpSpPr>
-      <p:sp>
-        <p:nvSpPr>
-          <p:cNvPr id="4" name="Título 1"/>
-          <p:cNvSpPr>
-            <a:spLocks noGrp="1"/>
-          </p:cNvSpPr>
-          <p:nvPr>
-            <p:ph type="title"/>
-          </p:nvPr>
-        </p:nvSpPr>
-        <p:spPr>
-          <a:xfrm>
-            <a:off x="103229" y="116632"/>
-            <a:ext cx="9916683" cy="432048"/>
-          </a:xfrm>
-        </p:spPr>
-        <p:txBody>
-          <a:bodyPr>
-            <a:noAutofit/>
-          </a:bodyPr>
-          <a:lstStyle/>
-          <a:p>
-            <a:r>
-              <a:rPr lang="pt-BR" sz="3200" b="1" i="1" dirty="0">
-                <a:solidFill>
-                  <a:srgbClr val="002060"/>
-                </a:solidFill>
-              </a:rPr>
-              <a:t>Python – funções criadas</a:t>
-            </a:r>
-          </a:p>
-        </p:txBody>
-      </p:sp>
-      <p:pic>
-        <p:nvPicPr>
-          <p:cNvPr id="2" name="Imagem 1">
-            <a:extLst>
-              <a:ext uri="{FF2B5EF4-FFF2-40B4-BE49-F238E27FC236}">
-                <a16:creationId xmlns:a16="http://schemas.microsoft.com/office/drawing/2014/main" id="{9A43EB1B-638C-4EF4-A206-7BCDBBD34B92}"/>
-              </a:ext>
-            </a:extLst>
-          </p:cNvPr>
-          <p:cNvPicPr>
-            <a:picLocks noChangeAspect="1"/>
-          </p:cNvPicPr>
-          <p:nvPr/>
-        </p:nvPicPr>
-        <p:blipFill>
-          <a:blip r:embed="rId3"/>
-          <a:stretch>
-            <a:fillRect/>
-          </a:stretch>
-        </p:blipFill>
-        <p:spPr>
-          <a:xfrm>
-            <a:off x="1141974" y="1067438"/>
-            <a:ext cx="9183712" cy="5132751"/>
-          </a:xfrm>
-          <a:prstGeom prst="rect">
-            <a:avLst/>
-          </a:prstGeom>
-        </p:spPr>
-      </p:pic>
-    </p:spTree>
-    <p:extLst>
-      <p:ext uri="{BB962C8B-B14F-4D97-AF65-F5344CB8AC3E}">
-        <p14:creationId xmlns:p14="http://schemas.microsoft.com/office/powerpoint/2010/main" val="1477953082"/>
-      </p:ext>
-    </p:extLst>
-  </p:cSld>
-  <p:clrMapOvr>
-    <a:masterClrMapping/>
-  </p:clrMapOvr>
-  <p:transition spd="med">
-    <p:fade/>
-  </p:transition>
-</p:sld>
-</file>
-
-<file path=ppt/slides/slide6.xml><?xml version="1.0" encoding="utf-8"?>
-<p:sld xmlns:a="http://schemas.openxmlformats.org/drawingml/2006/main" xmlns:r="http://schemas.openxmlformats.org/officeDocument/2006/relationships" xmlns:p="http://schemas.openxmlformats.org/presentationml/2006/main">
-  <p:cSld>
-    <p:spTree>
-      <p:nvGrpSpPr>
-        <p:cNvPr id="1" name=""/>
-        <p:cNvGrpSpPr/>
-        <p:nvPr/>
-      </p:nvGrpSpPr>
-      <p:grpSpPr>
-        <a:xfrm>
-          <a:off x="0" y="0"/>
-          <a:ext cx="0" cy="0"/>
-          <a:chOff x="0" y="0"/>
-          <a:chExt cx="0" cy="0"/>
-        </a:xfrm>
-      </p:grpSpPr>
-      <p:sp>
-        <p:nvSpPr>
-          <p:cNvPr id="4" name="Título 1"/>
-          <p:cNvSpPr>
-            <a:spLocks noGrp="1"/>
-          </p:cNvSpPr>
-          <p:nvPr>
-            <p:ph type="title"/>
-          </p:nvPr>
-        </p:nvSpPr>
-        <p:spPr>
-          <a:xfrm>
-            <a:off x="103229" y="116632"/>
-            <a:ext cx="9916683" cy="432048"/>
-          </a:xfrm>
-        </p:spPr>
-        <p:txBody>
-          <a:bodyPr>
-            <a:noAutofit/>
-          </a:bodyPr>
-          <a:lstStyle/>
-          <a:p>
-            <a:r>
-              <a:rPr lang="pt-BR" sz="3200" b="1" i="1" dirty="0">
-                <a:solidFill>
-                  <a:srgbClr val="002060"/>
-                </a:solidFill>
-              </a:rPr>
-              <a:t>Python – funções criadas</a:t>
-            </a:r>
-          </a:p>
-        </p:txBody>
-      </p:sp>
-      <p:sp>
-        <p:nvSpPr>
-          <p:cNvPr id="3" name="CaixaDeTexto 2">
-            <a:extLst>
-              <a:ext uri="{FF2B5EF4-FFF2-40B4-BE49-F238E27FC236}">
-                <a16:creationId xmlns:a16="http://schemas.microsoft.com/office/drawing/2014/main" id="{9DA9830F-20A3-45FC-B454-8F1D210E6B89}"/>
-              </a:ext>
-            </a:extLst>
-          </p:cNvPr>
-          <p:cNvSpPr txBox="1"/>
-          <p:nvPr/>
-        </p:nvSpPr>
-        <p:spPr>
-          <a:xfrm>
-            <a:off x="717452" y="1533378"/>
-            <a:ext cx="3685735" cy="4524315"/>
-          </a:xfrm>
-          <a:prstGeom prst="rect">
-            <a:avLst/>
-          </a:prstGeom>
-          <a:noFill/>
-        </p:spPr>
-        <p:txBody>
-          <a:bodyPr wrap="square" rtlCol="0">
-            <a:spAutoFit/>
-          </a:bodyPr>
-          <a:lstStyle/>
-          <a:p>
-            <a:r>
-              <a:rPr lang="pt-BR" b="1" dirty="0" err="1"/>
-              <a:t>Subsets</a:t>
-            </a:r>
-            <a:r>
-              <a:rPr lang="pt-BR" dirty="0"/>
-              <a:t>:</a:t>
-            </a:r>
-          </a:p>
-          <a:p>
-            <a:pPr marL="285750" indent="-285750">
-              <a:buFont typeface="Arial" panose="020B0604020202020204" pitchFamily="34" charset="0"/>
-              <a:buChar char="•"/>
-            </a:pPr>
-            <a:r>
-              <a:rPr lang="pt-BR" dirty="0" err="1"/>
-              <a:t>Train_test_split</a:t>
-            </a:r>
-            <a:endParaRPr lang="pt-BR" dirty="0"/>
-          </a:p>
-          <a:p>
-            <a:pPr marL="285750" indent="-285750">
-              <a:buFont typeface="Arial" panose="020B0604020202020204" pitchFamily="34" charset="0"/>
-              <a:buChar char="•"/>
-            </a:pPr>
-            <a:endParaRPr lang="pt-BR" dirty="0"/>
-          </a:p>
-          <a:p>
-            <a:r>
-              <a:rPr lang="pt-BR" b="1" dirty="0"/>
-              <a:t>Data </a:t>
-            </a:r>
-            <a:r>
-              <a:rPr lang="pt-BR" b="1" dirty="0" err="1"/>
-              <a:t>cleaning</a:t>
-            </a:r>
-            <a:r>
-              <a:rPr lang="pt-BR" b="1" dirty="0"/>
-              <a:t>:</a:t>
-            </a:r>
-            <a:r>
-              <a:rPr lang="pt-BR" dirty="0"/>
-              <a:t> </a:t>
-            </a:r>
-          </a:p>
-          <a:p>
-            <a:pPr marL="285750" indent="-285750">
-              <a:buFont typeface="Arial" panose="020B0604020202020204" pitchFamily="34" charset="0"/>
-              <a:buChar char="•"/>
-            </a:pPr>
-            <a:r>
-              <a:rPr lang="pt-BR" dirty="0" err="1"/>
-              <a:t>dc_fillna_custom</a:t>
-            </a:r>
-            <a:endParaRPr lang="pt-BR" dirty="0"/>
-          </a:p>
-          <a:p>
-            <a:pPr marL="285750" indent="-285750">
-              <a:buFont typeface="Arial" panose="020B0604020202020204" pitchFamily="34" charset="0"/>
-              <a:buChar char="•"/>
-            </a:pPr>
-            <a:r>
-              <a:rPr lang="pt-BR" dirty="0" err="1"/>
-              <a:t>dc_duplicatas</a:t>
-            </a:r>
-            <a:endParaRPr lang="pt-BR" dirty="0"/>
-          </a:p>
-          <a:p>
-            <a:pPr marL="285750" indent="-285750">
-              <a:buFont typeface="Arial" panose="020B0604020202020204" pitchFamily="34" charset="0"/>
-              <a:buChar char="•"/>
-            </a:pPr>
-            <a:r>
-              <a:rPr lang="pt-BR" dirty="0" err="1"/>
-              <a:t>dc_nulos</a:t>
-            </a:r>
-            <a:endParaRPr lang="pt-BR" dirty="0"/>
-          </a:p>
-          <a:p>
-            <a:pPr marL="285750" indent="-285750">
-              <a:buFont typeface="Arial" panose="020B0604020202020204" pitchFamily="34" charset="0"/>
-              <a:buChar char="•"/>
-            </a:pPr>
-            <a:r>
-              <a:rPr lang="pt-BR" dirty="0" err="1"/>
-              <a:t>dc_features_tipos</a:t>
-            </a:r>
-            <a:endParaRPr lang="pt-BR" dirty="0"/>
-          </a:p>
-          <a:p>
-            <a:pPr marL="285750" indent="-285750">
-              <a:buFont typeface="Arial" panose="020B0604020202020204" pitchFamily="34" charset="0"/>
-              <a:buChar char="•"/>
-            </a:pPr>
-            <a:r>
-              <a:rPr lang="pt-BR" dirty="0" err="1"/>
-              <a:t>Oulier</a:t>
-            </a:r>
-            <a:endParaRPr lang="pt-BR" dirty="0"/>
-          </a:p>
-          <a:p>
-            <a:pPr marL="285750" indent="-285750">
-              <a:buFont typeface="Arial" panose="020B0604020202020204" pitchFamily="34" charset="0"/>
-              <a:buChar char="•"/>
-            </a:pPr>
-            <a:endParaRPr lang="pt-BR" dirty="0"/>
-          </a:p>
-          <a:p>
-            <a:r>
-              <a:rPr lang="pt-BR" b="1" dirty="0" err="1"/>
-              <a:t>Feature</a:t>
-            </a:r>
-            <a:r>
-              <a:rPr lang="pt-BR" b="1" dirty="0"/>
-              <a:t> </a:t>
-            </a:r>
-            <a:r>
-              <a:rPr lang="pt-BR" b="1" dirty="0" err="1"/>
-              <a:t>Engineering</a:t>
-            </a:r>
-            <a:r>
-              <a:rPr lang="pt-BR" b="1" dirty="0"/>
-              <a:t>:</a:t>
-            </a:r>
-          </a:p>
-          <a:p>
-            <a:pPr marL="285750" indent="-285750">
-              <a:buFont typeface="Arial" panose="020B0604020202020204" pitchFamily="34" charset="0"/>
-              <a:buChar char="•"/>
-            </a:pPr>
-            <a:r>
-              <a:rPr lang="pt-BR" dirty="0" err="1"/>
-              <a:t>fe_categorical_transform</a:t>
-            </a:r>
-            <a:endParaRPr lang="pt-BR" dirty="0"/>
-          </a:p>
-          <a:p>
-            <a:pPr marL="285750" indent="-285750">
-              <a:buFont typeface="Arial" panose="020B0604020202020204" pitchFamily="34" charset="0"/>
-              <a:buChar char="•"/>
-            </a:pPr>
-            <a:r>
-              <a:rPr lang="pt-BR" dirty="0" err="1"/>
-              <a:t>fe_numerical_transform</a:t>
-            </a:r>
-            <a:endParaRPr lang="pt-BR" dirty="0"/>
-          </a:p>
-          <a:p>
-            <a:pPr marL="285750" indent="-285750">
-              <a:buFont typeface="Arial" panose="020B0604020202020204" pitchFamily="34" charset="0"/>
-              <a:buChar char="•"/>
-            </a:pPr>
-            <a:r>
-              <a:rPr lang="pt-BR" dirty="0" err="1"/>
-              <a:t>Original_e_transformada</a:t>
-            </a:r>
-            <a:endParaRPr lang="pt-BR" dirty="0"/>
-          </a:p>
-          <a:p>
-            <a:pPr marL="285750" indent="-285750">
-              <a:buFont typeface="Arial" panose="020B0604020202020204" pitchFamily="34" charset="0"/>
-              <a:buChar char="•"/>
-            </a:pPr>
-            <a:r>
-              <a:rPr lang="pt-BR" dirty="0" err="1"/>
-              <a:t>fe_resampler_regression</a:t>
-            </a:r>
-            <a:endParaRPr lang="pt-BR" dirty="0"/>
-          </a:p>
-          <a:p>
-            <a:endParaRPr lang="pt-BR" dirty="0"/>
-          </a:p>
-        </p:txBody>
-      </p:sp>
-      <p:sp>
-        <p:nvSpPr>
-          <p:cNvPr id="8" name="CaixaDeTexto 7">
-            <a:extLst>
-              <a:ext uri="{FF2B5EF4-FFF2-40B4-BE49-F238E27FC236}">
-                <a16:creationId xmlns:a16="http://schemas.microsoft.com/office/drawing/2014/main" id="{E07EAFF3-E109-40E3-9EF1-4884384E063C}"/>
-              </a:ext>
-            </a:extLst>
-          </p:cNvPr>
-          <p:cNvSpPr txBox="1"/>
-          <p:nvPr/>
-        </p:nvSpPr>
-        <p:spPr>
-          <a:xfrm>
-            <a:off x="6334177" y="1246117"/>
-            <a:ext cx="4554217" cy="4247317"/>
-          </a:xfrm>
-          <a:prstGeom prst="rect">
-            <a:avLst/>
-          </a:prstGeom>
-          <a:noFill/>
-        </p:spPr>
-        <p:txBody>
-          <a:bodyPr wrap="square" rtlCol="0">
-            <a:spAutoFit/>
-          </a:bodyPr>
-          <a:lstStyle/>
-          <a:p>
-            <a:endParaRPr lang="pt-BR" dirty="0"/>
-          </a:p>
-          <a:p>
-            <a:r>
-              <a:rPr lang="pt-BR" b="1" dirty="0" err="1"/>
-              <a:t>Feature</a:t>
-            </a:r>
-            <a:r>
-              <a:rPr lang="pt-BR" b="1" dirty="0"/>
-              <a:t> </a:t>
-            </a:r>
-            <a:r>
-              <a:rPr lang="pt-BR" b="1" dirty="0" err="1"/>
-              <a:t>Selection</a:t>
-            </a:r>
-            <a:r>
-              <a:rPr lang="pt-BR" b="1" dirty="0"/>
-              <a:t>:</a:t>
-            </a:r>
-          </a:p>
-          <a:p>
-            <a:pPr marL="285750" indent="-285750">
-              <a:buFont typeface="Arial" panose="020B0604020202020204" pitchFamily="34" charset="0"/>
-              <a:buChar char="•"/>
-            </a:pPr>
-            <a:r>
-              <a:rPr lang="pt-BR" dirty="0" err="1"/>
-              <a:t>Fs_variância</a:t>
-            </a:r>
-            <a:endParaRPr lang="pt-BR" dirty="0"/>
-          </a:p>
-          <a:p>
-            <a:pPr marL="285750" indent="-285750">
-              <a:buFont typeface="Arial" panose="020B0604020202020204" pitchFamily="34" charset="0"/>
-              <a:buChar char="•"/>
-            </a:pPr>
-            <a:r>
-              <a:rPr lang="pt-BR" dirty="0" err="1"/>
-              <a:t>Fs_correlation</a:t>
-            </a:r>
-            <a:endParaRPr lang="pt-BR" dirty="0"/>
-          </a:p>
-          <a:p>
-            <a:pPr marL="285750" indent="-285750">
-              <a:buFont typeface="Arial" panose="020B0604020202020204" pitchFamily="34" charset="0"/>
-              <a:buChar char="•"/>
-            </a:pPr>
-            <a:r>
-              <a:rPr lang="pt-BR" dirty="0" err="1"/>
-              <a:t>Fs_kbest</a:t>
-            </a:r>
-            <a:endParaRPr lang="pt-BR" dirty="0"/>
-          </a:p>
-          <a:p>
-            <a:pPr marL="285750" indent="-285750">
-              <a:buFont typeface="Arial" panose="020B0604020202020204" pitchFamily="34" charset="0"/>
-              <a:buChar char="•"/>
-            </a:pPr>
-            <a:r>
-              <a:rPr lang="pt-BR" dirty="0" err="1"/>
-              <a:t>Fs_fromModel</a:t>
-            </a:r>
-            <a:endParaRPr lang="pt-BR" dirty="0"/>
-          </a:p>
-          <a:p>
-            <a:pPr marL="285750" indent="-285750">
-              <a:buFont typeface="Arial" panose="020B0604020202020204" pitchFamily="34" charset="0"/>
-              <a:buChar char="•"/>
-            </a:pPr>
-            <a:endParaRPr lang="pt-BR" dirty="0"/>
-          </a:p>
-          <a:p>
-            <a:r>
-              <a:rPr lang="pt-BR" b="1" dirty="0"/>
-              <a:t>Modelagem: </a:t>
-            </a:r>
-          </a:p>
-          <a:p>
-            <a:pPr marL="285750" indent="-285750">
-              <a:buFont typeface="Arial" panose="020B0604020202020204" pitchFamily="34" charset="0"/>
-              <a:buChar char="•"/>
-            </a:pPr>
-            <a:r>
-              <a:rPr lang="pt-BR" dirty="0" err="1"/>
-              <a:t>Auto_ml_regressor</a:t>
-            </a:r>
-            <a:endParaRPr lang="pt-BR" dirty="0"/>
-          </a:p>
-          <a:p>
-            <a:pPr marL="285750" indent="-285750">
-              <a:buFont typeface="Arial" panose="020B0604020202020204" pitchFamily="34" charset="0"/>
-              <a:buChar char="•"/>
-            </a:pPr>
-            <a:r>
-              <a:rPr lang="pt-BR" dirty="0"/>
-              <a:t>João está unificando regressão e Time Series</a:t>
-            </a:r>
-          </a:p>
-          <a:p>
-            <a:pPr marL="285750" indent="-285750">
-              <a:buFont typeface="Arial" panose="020B0604020202020204" pitchFamily="34" charset="0"/>
-              <a:buChar char="•"/>
-            </a:pPr>
-            <a:endParaRPr lang="pt-BR" dirty="0"/>
-          </a:p>
-          <a:p>
-            <a:r>
-              <a:rPr lang="pt-BR" b="1" dirty="0" err="1"/>
-              <a:t>Error</a:t>
-            </a:r>
-            <a:r>
-              <a:rPr lang="pt-BR" b="1" dirty="0"/>
-              <a:t> </a:t>
-            </a:r>
-            <a:r>
-              <a:rPr lang="pt-BR" b="1" dirty="0" err="1"/>
-              <a:t>Analysis</a:t>
-            </a:r>
-            <a:r>
-              <a:rPr lang="pt-BR" b="1" dirty="0"/>
-              <a:t>:</a:t>
-            </a:r>
-          </a:p>
-          <a:p>
-            <a:pPr marL="285750" indent="-285750">
-              <a:buFont typeface="Arial" panose="020B0604020202020204" pitchFamily="34" charset="0"/>
-              <a:buChar char="•"/>
-            </a:pPr>
-            <a:r>
-              <a:rPr lang="pt-BR" dirty="0" err="1"/>
-              <a:t>Decomposicao_bias_variância</a:t>
-            </a:r>
-            <a:endParaRPr lang="pt-BR" dirty="0"/>
-          </a:p>
-          <a:p>
-            <a:pPr marL="285750" indent="-285750">
-              <a:buFont typeface="Arial" panose="020B0604020202020204" pitchFamily="34" charset="0"/>
-              <a:buChar char="•"/>
-            </a:pPr>
-            <a:r>
-              <a:rPr lang="pt-BR" dirty="0" err="1"/>
-              <a:t>Report_features_erros_modelos</a:t>
-            </a:r>
-            <a:endParaRPr lang="pt-BR" dirty="0"/>
-          </a:p>
-        </p:txBody>
-      </p:sp>
-    </p:spTree>
-    <p:extLst>
-      <p:ext uri="{BB962C8B-B14F-4D97-AF65-F5344CB8AC3E}">
-        <p14:creationId xmlns:p14="http://schemas.microsoft.com/office/powerpoint/2010/main" val="3191779919"/>
-      </p:ext>
-    </p:extLst>
-  </p:cSld>
-  <p:clrMapOvr>
-    <a:masterClrMapping/>
-  </p:clrMapOvr>
-  <p:transition spd="med">
-    <p:fade/>
-  </p:transition>
-</p:sld>
-</file>
-
 <file path=ppt/slides/slide7.xml><?xml version="1.0" encoding="utf-8"?>
 <p:sld xmlns:a="http://schemas.openxmlformats.org/drawingml/2006/main" xmlns:r="http://schemas.openxmlformats.org/officeDocument/2006/relationships" xmlns:p="http://schemas.openxmlformats.org/presentationml/2006/main">
   <p:cSld>
@@ -7768,28 +9514,50 @@
           <a:lstStyle/>
           <a:p>
             <a:r>
-              <a:rPr lang="pt-BR" sz="3200" b="1" i="1" dirty="0" err="1">
-                <a:solidFill>
-                  <a:srgbClr val="002060"/>
-                </a:solidFill>
-              </a:rPr>
-              <a:t>Alteryx</a:t>
-            </a:r>
-            <a:r>
               <a:rPr lang="pt-BR" sz="3200" b="1" i="1" dirty="0">
                 <a:solidFill>
                   <a:srgbClr val="002060"/>
                 </a:solidFill>
               </a:rPr>
-              <a:t> – pipeline de dados</a:t>
-            </a:r>
-          </a:p>
-        </p:txBody>
-      </p:sp>
+              <a:t>Python – funções criadas</a:t>
+            </a:r>
+          </a:p>
+        </p:txBody>
+      </p:sp>
+      <p:pic>
+        <p:nvPicPr>
+          <p:cNvPr id="3" name="Imagem 2">
+            <a:extLst>
+              <a:ext uri="{FF2B5EF4-FFF2-40B4-BE49-F238E27FC236}">
+                <a16:creationId xmlns:a16="http://schemas.microsoft.com/office/drawing/2014/main" id="{C509767E-8B55-4504-9778-6E4073D5AAF1}"/>
+              </a:ext>
+            </a:extLst>
+          </p:cNvPr>
+          <p:cNvPicPr>
+            <a:picLocks noChangeAspect="1"/>
+          </p:cNvPicPr>
+          <p:nvPr/>
+        </p:nvPicPr>
+        <p:blipFill>
+          <a:blip r:embed="rId3"/>
+          <a:stretch>
+            <a:fillRect/>
+          </a:stretch>
+        </p:blipFill>
+        <p:spPr>
+          <a:xfrm>
+            <a:off x="1021438" y="1308296"/>
+            <a:ext cx="9654810" cy="5261810"/>
+          </a:xfrm>
+          <a:prstGeom prst="rect">
+            <a:avLst/>
+          </a:prstGeom>
+        </p:spPr>
+      </p:pic>
     </p:spTree>
     <p:extLst>
       <p:ext uri="{BB962C8B-B14F-4D97-AF65-F5344CB8AC3E}">
-        <p14:creationId xmlns:p14="http://schemas.microsoft.com/office/powerpoint/2010/main" val="792422082"/>
+        <p14:creationId xmlns:p14="http://schemas.microsoft.com/office/powerpoint/2010/main" val="1477953082"/>
       </p:ext>
     </p:extLst>
   </p:cSld>
@@ -7842,20 +9610,328 @@
           <a:lstStyle/>
           <a:p>
             <a:r>
-              <a:rPr lang="pt-BR" sz="3200" b="1" i="1" dirty="0" err="1">
-                <a:solidFill>
-                  <a:srgbClr val="002060"/>
-                </a:solidFill>
-              </a:rPr>
-              <a:t>Alteryx</a:t>
-            </a:r>
-            <a:r>
               <a:rPr lang="pt-BR" sz="3200" b="1" i="1" dirty="0">
                 <a:solidFill>
                   <a:srgbClr val="002060"/>
                 </a:solidFill>
               </a:rPr>
-              <a:t> – macros criadas e a serem criadas</a:t>
+              <a:t>Python – funções criadas</a:t>
+            </a:r>
+          </a:p>
+        </p:txBody>
+      </p:sp>
+      <p:sp>
+        <p:nvSpPr>
+          <p:cNvPr id="3" name="CaixaDeTexto 2">
+            <a:extLst>
+              <a:ext uri="{FF2B5EF4-FFF2-40B4-BE49-F238E27FC236}">
+                <a16:creationId xmlns:a16="http://schemas.microsoft.com/office/drawing/2014/main" id="{9DA9830F-20A3-45FC-B454-8F1D210E6B89}"/>
+              </a:ext>
+            </a:extLst>
+          </p:cNvPr>
+          <p:cNvSpPr txBox="1"/>
+          <p:nvPr/>
+        </p:nvSpPr>
+        <p:spPr>
+          <a:xfrm>
+            <a:off x="717452" y="1533378"/>
+            <a:ext cx="3685735" cy="4524315"/>
+          </a:xfrm>
+          <a:prstGeom prst="rect">
+            <a:avLst/>
+          </a:prstGeom>
+          <a:noFill/>
+        </p:spPr>
+        <p:txBody>
+          <a:bodyPr wrap="square" rtlCol="0">
+            <a:spAutoFit/>
+          </a:bodyPr>
+          <a:lstStyle/>
+          <a:p>
+            <a:r>
+              <a:rPr lang="pt-BR" b="1" dirty="0"/>
+              <a:t>Subsets</a:t>
+            </a:r>
+            <a:r>
+              <a:rPr lang="pt-BR" dirty="0"/>
+              <a:t>:</a:t>
+            </a:r>
+          </a:p>
+          <a:p>
+            <a:pPr marL="285750" indent="-285750">
+              <a:buFont typeface="Arial" panose="020B0604020202020204" pitchFamily="34" charset="0"/>
+              <a:buChar char="•"/>
+            </a:pPr>
+            <a:r>
+              <a:rPr lang="pt-BR" dirty="0"/>
+              <a:t>Train_test_split</a:t>
+            </a:r>
+          </a:p>
+          <a:p>
+            <a:pPr marL="285750" indent="-285750">
+              <a:buFont typeface="Arial" panose="020B0604020202020204" pitchFamily="34" charset="0"/>
+              <a:buChar char="•"/>
+            </a:pPr>
+            <a:endParaRPr lang="pt-BR" dirty="0"/>
+          </a:p>
+          <a:p>
+            <a:r>
+              <a:rPr lang="pt-BR" b="1" dirty="0"/>
+              <a:t>Data cleaning:</a:t>
+            </a:r>
+            <a:r>
+              <a:rPr lang="pt-BR" dirty="0"/>
+              <a:t> </a:t>
+            </a:r>
+          </a:p>
+          <a:p>
+            <a:pPr marL="285750" indent="-285750">
+              <a:buFont typeface="Arial" panose="020B0604020202020204" pitchFamily="34" charset="0"/>
+              <a:buChar char="•"/>
+            </a:pPr>
+            <a:r>
+              <a:rPr lang="pt-BR" dirty="0"/>
+              <a:t>dc_fillna_custom</a:t>
+            </a:r>
+          </a:p>
+          <a:p>
+            <a:pPr marL="285750" indent="-285750">
+              <a:buFont typeface="Arial" panose="020B0604020202020204" pitchFamily="34" charset="0"/>
+              <a:buChar char="•"/>
+            </a:pPr>
+            <a:r>
+              <a:rPr lang="pt-BR" dirty="0"/>
+              <a:t>dc_duplicatas</a:t>
+            </a:r>
+          </a:p>
+          <a:p>
+            <a:pPr marL="285750" indent="-285750">
+              <a:buFont typeface="Arial" panose="020B0604020202020204" pitchFamily="34" charset="0"/>
+              <a:buChar char="•"/>
+            </a:pPr>
+            <a:r>
+              <a:rPr lang="pt-BR" dirty="0"/>
+              <a:t>dc_nulos</a:t>
+            </a:r>
+          </a:p>
+          <a:p>
+            <a:pPr marL="285750" indent="-285750">
+              <a:buFont typeface="Arial" panose="020B0604020202020204" pitchFamily="34" charset="0"/>
+              <a:buChar char="•"/>
+            </a:pPr>
+            <a:r>
+              <a:rPr lang="pt-BR" dirty="0"/>
+              <a:t>dc_features_tipos</a:t>
+            </a:r>
+          </a:p>
+          <a:p>
+            <a:pPr marL="285750" indent="-285750">
+              <a:buFont typeface="Arial" panose="020B0604020202020204" pitchFamily="34" charset="0"/>
+              <a:buChar char="•"/>
+            </a:pPr>
+            <a:r>
+              <a:rPr lang="pt-BR" dirty="0"/>
+              <a:t>Oulier</a:t>
+            </a:r>
+          </a:p>
+          <a:p>
+            <a:pPr marL="285750" indent="-285750">
+              <a:buFont typeface="Arial" panose="020B0604020202020204" pitchFamily="34" charset="0"/>
+              <a:buChar char="•"/>
+            </a:pPr>
+            <a:endParaRPr lang="pt-BR" dirty="0"/>
+          </a:p>
+          <a:p>
+            <a:r>
+              <a:rPr lang="pt-BR" b="1" dirty="0"/>
+              <a:t>Feature Engineering:</a:t>
+            </a:r>
+          </a:p>
+          <a:p>
+            <a:pPr marL="285750" indent="-285750">
+              <a:buFont typeface="Arial" panose="020B0604020202020204" pitchFamily="34" charset="0"/>
+              <a:buChar char="•"/>
+            </a:pPr>
+            <a:r>
+              <a:rPr lang="pt-BR" dirty="0"/>
+              <a:t>fe_categorical_transform</a:t>
+            </a:r>
+          </a:p>
+          <a:p>
+            <a:pPr marL="285750" indent="-285750">
+              <a:buFont typeface="Arial" panose="020B0604020202020204" pitchFamily="34" charset="0"/>
+              <a:buChar char="•"/>
+            </a:pPr>
+            <a:r>
+              <a:rPr lang="pt-BR" dirty="0"/>
+              <a:t>fe_numerical_transform</a:t>
+            </a:r>
+          </a:p>
+          <a:p>
+            <a:pPr marL="285750" indent="-285750">
+              <a:buFont typeface="Arial" panose="020B0604020202020204" pitchFamily="34" charset="0"/>
+              <a:buChar char="•"/>
+            </a:pPr>
+            <a:r>
+              <a:rPr lang="pt-BR" dirty="0"/>
+              <a:t>Original_e_transformada</a:t>
+            </a:r>
+          </a:p>
+          <a:p>
+            <a:pPr marL="285750" indent="-285750">
+              <a:buFont typeface="Arial" panose="020B0604020202020204" pitchFamily="34" charset="0"/>
+              <a:buChar char="•"/>
+            </a:pPr>
+            <a:r>
+              <a:rPr lang="pt-BR" dirty="0"/>
+              <a:t>fe_resampler_regression</a:t>
+            </a:r>
+          </a:p>
+          <a:p>
+            <a:endParaRPr lang="pt-BR" dirty="0"/>
+          </a:p>
+        </p:txBody>
+      </p:sp>
+      <p:sp>
+        <p:nvSpPr>
+          <p:cNvPr id="8" name="CaixaDeTexto 7">
+            <a:extLst>
+              <a:ext uri="{FF2B5EF4-FFF2-40B4-BE49-F238E27FC236}">
+                <a16:creationId xmlns:a16="http://schemas.microsoft.com/office/drawing/2014/main" id="{E07EAFF3-E109-40E3-9EF1-4884384E063C}"/>
+              </a:ext>
+            </a:extLst>
+          </p:cNvPr>
+          <p:cNvSpPr txBox="1"/>
+          <p:nvPr/>
+        </p:nvSpPr>
+        <p:spPr>
+          <a:xfrm>
+            <a:off x="6334177" y="1246117"/>
+            <a:ext cx="4554217" cy="4247317"/>
+          </a:xfrm>
+          <a:prstGeom prst="rect">
+            <a:avLst/>
+          </a:prstGeom>
+          <a:noFill/>
+        </p:spPr>
+        <p:txBody>
+          <a:bodyPr wrap="square" rtlCol="0">
+            <a:spAutoFit/>
+          </a:bodyPr>
+          <a:lstStyle/>
+          <a:p>
+            <a:endParaRPr lang="pt-BR" dirty="0"/>
+          </a:p>
+          <a:p>
+            <a:r>
+              <a:rPr lang="pt-BR" b="1" dirty="0"/>
+              <a:t>Feature Selection:</a:t>
+            </a:r>
+          </a:p>
+          <a:p>
+            <a:pPr marL="285750" indent="-285750">
+              <a:buFont typeface="Arial" panose="020B0604020202020204" pitchFamily="34" charset="0"/>
+              <a:buChar char="•"/>
+            </a:pPr>
+            <a:r>
+              <a:rPr lang="pt-BR" dirty="0"/>
+              <a:t>Fs_variância</a:t>
+            </a:r>
+          </a:p>
+          <a:p>
+            <a:pPr marL="285750" indent="-285750">
+              <a:buFont typeface="Arial" panose="020B0604020202020204" pitchFamily="34" charset="0"/>
+              <a:buChar char="•"/>
+            </a:pPr>
+            <a:r>
+              <a:rPr lang="pt-BR" dirty="0"/>
+              <a:t>Fs_correlation</a:t>
+            </a:r>
+          </a:p>
+          <a:p>
+            <a:pPr marL="285750" indent="-285750">
+              <a:buFont typeface="Arial" panose="020B0604020202020204" pitchFamily="34" charset="0"/>
+              <a:buChar char="•"/>
+            </a:pPr>
+            <a:r>
+              <a:rPr lang="pt-BR" dirty="0"/>
+              <a:t>Fs_kbest</a:t>
+            </a:r>
+          </a:p>
+          <a:p>
+            <a:pPr marL="285750" indent="-285750">
+              <a:buFont typeface="Arial" panose="020B0604020202020204" pitchFamily="34" charset="0"/>
+              <a:buChar char="•"/>
+            </a:pPr>
+            <a:r>
+              <a:rPr lang="pt-BR" dirty="0"/>
+              <a:t>Fs_fromModel</a:t>
+            </a:r>
+          </a:p>
+          <a:p>
+            <a:pPr marL="285750" indent="-285750">
+              <a:buFont typeface="Arial" panose="020B0604020202020204" pitchFamily="34" charset="0"/>
+              <a:buChar char="•"/>
+            </a:pPr>
+            <a:endParaRPr lang="pt-BR" dirty="0"/>
+          </a:p>
+          <a:p>
+            <a:r>
+              <a:rPr lang="pt-BR" b="1" dirty="0"/>
+              <a:t>Modelagem: </a:t>
+            </a:r>
+          </a:p>
+          <a:p>
+            <a:pPr marL="285750" indent="-285750">
+              <a:buFont typeface="Arial" panose="020B0604020202020204" pitchFamily="34" charset="0"/>
+              <a:buChar char="•"/>
+            </a:pPr>
+            <a:r>
+              <a:rPr lang="pt-BR" dirty="0"/>
+              <a:t>Auto_ml_regressor</a:t>
+            </a:r>
+          </a:p>
+          <a:p>
+            <a:pPr marL="285750" indent="-285750">
+              <a:buFont typeface="Arial" panose="020B0604020202020204" pitchFamily="34" charset="0"/>
+              <a:buChar char="•"/>
+            </a:pPr>
+            <a:r>
+              <a:rPr lang="pt-BR" dirty="0"/>
+              <a:t>João está unificando regressão e Time Series</a:t>
+            </a:r>
+          </a:p>
+          <a:p>
+            <a:pPr marL="285750" indent="-285750">
+              <a:buFont typeface="Arial" panose="020B0604020202020204" pitchFamily="34" charset="0"/>
+              <a:buChar char="•"/>
+            </a:pPr>
+            <a:endParaRPr lang="pt-BR" dirty="0"/>
+          </a:p>
+          <a:p>
+            <a:r>
+              <a:rPr lang="pt-BR" b="1" dirty="0"/>
+              <a:t>Error Analysis:</a:t>
+            </a:r>
+          </a:p>
+          <a:p>
+            <a:pPr marL="285750" indent="-285750">
+              <a:buFont typeface="Arial" panose="020B0604020202020204" pitchFamily="34" charset="0"/>
+              <a:buChar char="•"/>
+            </a:pPr>
+            <a:r>
+              <a:rPr lang="pt-BR" dirty="0"/>
+              <a:t>Decomposicao_bias_variância</a:t>
+            </a:r>
+          </a:p>
+          <a:p>
+            <a:pPr marL="285750" indent="-285750">
+              <a:buFont typeface="Arial" panose="020B0604020202020204" pitchFamily="34" charset="0"/>
+              <a:buChar char="•"/>
+            </a:pPr>
+            <a:r>
+              <a:rPr lang="pt-BR" dirty="0"/>
+              <a:t>Report_features_erros_modelos</a:t>
             </a:r>
           </a:p>
         </p:txBody>
@@ -7863,7 +9939,7 @@
     </p:spTree>
     <p:extLst>
       <p:ext uri="{BB962C8B-B14F-4D97-AF65-F5344CB8AC3E}">
-        <p14:creationId xmlns:p14="http://schemas.microsoft.com/office/powerpoint/2010/main" val="3467007845"/>
+        <p14:creationId xmlns:p14="http://schemas.microsoft.com/office/powerpoint/2010/main" val="3191779919"/>
       </p:ext>
     </p:extLst>
   </p:cSld>
@@ -7916,28 +9992,50 @@
           <a:lstStyle/>
           <a:p>
             <a:r>
-              <a:rPr lang="pt-BR" sz="3200" b="1" i="1" dirty="0" err="1">
-                <a:solidFill>
-                  <a:srgbClr val="002060"/>
-                </a:solidFill>
-              </a:rPr>
-              <a:t>Alteryx</a:t>
-            </a:r>
-            <a:r>
               <a:rPr lang="pt-BR" sz="3200" b="1" i="1" dirty="0">
                 <a:solidFill>
                   <a:srgbClr val="002060"/>
                 </a:solidFill>
               </a:rPr>
-              <a:t> – macros – configuração de parâmetros</a:t>
-            </a:r>
-          </a:p>
-        </p:txBody>
-      </p:sp>
+              <a:t>Alteryx – pipeline de dados – Framework BRADA</a:t>
+            </a:r>
+          </a:p>
+        </p:txBody>
+      </p:sp>
+      <p:pic>
+        <p:nvPicPr>
+          <p:cNvPr id="2" name="Imagem 1">
+            <a:extLst>
+              <a:ext uri="{FF2B5EF4-FFF2-40B4-BE49-F238E27FC236}">
+                <a16:creationId xmlns:a16="http://schemas.microsoft.com/office/drawing/2014/main" id="{6F933388-472F-4AEE-998F-8028E4C5B10D}"/>
+              </a:ext>
+            </a:extLst>
+          </p:cNvPr>
+          <p:cNvPicPr>
+            <a:picLocks noChangeAspect="1"/>
+          </p:cNvPicPr>
+          <p:nvPr/>
+        </p:nvPicPr>
+        <p:blipFill>
+          <a:blip r:embed="rId3"/>
+          <a:stretch>
+            <a:fillRect/>
+          </a:stretch>
+        </p:blipFill>
+        <p:spPr>
+          <a:xfrm>
+            <a:off x="103229" y="1772529"/>
+            <a:ext cx="11913721" cy="3611640"/>
+          </a:xfrm>
+          <a:prstGeom prst="rect">
+            <a:avLst/>
+          </a:prstGeom>
+        </p:spPr>
+      </p:pic>
     </p:spTree>
     <p:extLst>
       <p:ext uri="{BB962C8B-B14F-4D97-AF65-F5344CB8AC3E}">
-        <p14:creationId xmlns:p14="http://schemas.microsoft.com/office/powerpoint/2010/main" val="741693917"/>
+        <p14:creationId xmlns:p14="http://schemas.microsoft.com/office/powerpoint/2010/main" val="792422082"/>
       </p:ext>
     </p:extLst>
   </p:cSld>
@@ -8485,9 +10583,12 @@
 </file>
 
 <file path=customXml/item1.xml><?xml version="1.0" encoding="utf-8"?>
-<p:properties xmlns:p="http://schemas.microsoft.com/office/2006/metadata/properties" xmlns:xsi="http://www.w3.org/2001/XMLSchema-instance" xmlns:pc="http://schemas.microsoft.com/office/infopath/2007/PartnerControls">
-  <documentManagement/>
-</p:properties>
+<?mso-contentType ?>
+<FormTemplates xmlns="http://schemas.microsoft.com/sharepoint/v3/contenttype/forms">
+  <Display>DocumentLibraryForm</Display>
+  <Edit>DocumentLibraryForm</Edit>
+  <New>DocumentLibraryForm</New>
+</FormTemplates>
 </file>
 
 <file path=customXml/item2.xml><?xml version="1.0" encoding="utf-8"?>
@@ -8623,26 +10724,15 @@
 </file>
 
 <file path=customXml/item3.xml><?xml version="1.0" encoding="utf-8"?>
-<?mso-contentType ?>
-<FormTemplates xmlns="http://schemas.microsoft.com/sharepoint/v3/contenttype/forms">
-  <Display>DocumentLibraryForm</Display>
-  <Edit>DocumentLibraryForm</Edit>
-  <New>DocumentLibraryForm</New>
-</FormTemplates>
+<p:properties xmlns:p="http://schemas.microsoft.com/office/2006/metadata/properties" xmlns:xsi="http://www.w3.org/2001/XMLSchema-instance" xmlns:pc="http://schemas.microsoft.com/office/infopath/2007/PartnerControls">
+  <documentManagement/>
+</p:properties>
 </file>
 
 <file path=customXml/itemProps1.xml><?xml version="1.0" encoding="utf-8"?>
-<ds:datastoreItem xmlns:ds="http://schemas.openxmlformats.org/officeDocument/2006/customXml" ds:itemID="{78E7903A-CE4B-4ADE-91A6-95CA87696018}">
+<ds:datastoreItem xmlns:ds="http://schemas.openxmlformats.org/officeDocument/2006/customXml" ds:itemID="{E2B81020-8F53-42D9-9068-70ED1200B14E}">
   <ds:schemaRefs>
-    <ds:schemaRef ds:uri="f362aee7-d3d2-4f18-81c2-0184b47d6ceb"/>
-    <ds:schemaRef ds:uri="http://purl.org/dc/dcmitype/"/>
-    <ds:schemaRef ds:uri="http://purl.org/dc/elements/1.1/"/>
-    <ds:schemaRef ds:uri="http://purl.org/dc/terms/"/>
-    <ds:schemaRef ds:uri="http://schemas.microsoft.com/office/2006/documentManagement/types"/>
-    <ds:schemaRef ds:uri="http://schemas.microsoft.com/office/2006/metadata/properties"/>
-    <ds:schemaRef ds:uri="http://schemas.microsoft.com/office/infopath/2007/PartnerControls"/>
-    <ds:schemaRef ds:uri="http://schemas.openxmlformats.org/package/2006/metadata/core-properties"/>
-    <ds:schemaRef ds:uri="http://www.w3.org/XML/1998/namespace"/>
+    <ds:schemaRef ds:uri="http://schemas.microsoft.com/sharepoint/v3/contenttype/forms"/>
   </ds:schemaRefs>
 </ds:datastoreItem>
 </file>
@@ -8666,9 +10756,17 @@
 </file>
 
 <file path=customXml/itemProps3.xml><?xml version="1.0" encoding="utf-8"?>
-<ds:datastoreItem xmlns:ds="http://schemas.openxmlformats.org/officeDocument/2006/customXml" ds:itemID="{E2B81020-8F53-42D9-9068-70ED1200B14E}">
+<ds:datastoreItem xmlns:ds="http://schemas.openxmlformats.org/officeDocument/2006/customXml" ds:itemID="{78E7903A-CE4B-4ADE-91A6-95CA87696018}">
   <ds:schemaRefs>
-    <ds:schemaRef ds:uri="http://schemas.microsoft.com/sharepoint/v3/contenttype/forms"/>
+    <ds:schemaRef ds:uri="f362aee7-d3d2-4f18-81c2-0184b47d6ceb"/>
+    <ds:schemaRef ds:uri="http://purl.org/dc/dcmitype/"/>
+    <ds:schemaRef ds:uri="http://purl.org/dc/elements/1.1/"/>
+    <ds:schemaRef ds:uri="http://purl.org/dc/terms/"/>
+    <ds:schemaRef ds:uri="http://schemas.microsoft.com/office/2006/documentManagement/types"/>
+    <ds:schemaRef ds:uri="http://schemas.microsoft.com/office/2006/metadata/properties"/>
+    <ds:schemaRef ds:uri="http://schemas.microsoft.com/office/infopath/2007/PartnerControls"/>
+    <ds:schemaRef ds:uri="http://schemas.openxmlformats.org/package/2006/metadata/core-properties"/>
+    <ds:schemaRef ds:uri="http://www.w3.org/XML/1998/namespace"/>
   </ds:schemaRefs>
 </ds:datastoreItem>
 </file>